--- a/sources/spark_core.pptx
+++ b/sources/spark_core.pptx
@@ -5991,7 +5991,7 @@
           </a:ln>
           <a:extLst>
             <a:ext uri="{C572A759-6A51-4108-AA02-DFA0A04FC94B}">
-              <ma14:wrappingTextBoxFlag xmlns="" xmlns:ma14="http://schemas.microsoft.com/office/mac/drawingml/2011/main" val="1"/>
+              <ma14:wrappingTextBoxFlag xmlns:ma14="http://schemas.microsoft.com/office/mac/drawingml/2011/main" xmlns="" val="1"/>
             </a:ext>
           </a:extLst>
         </p:spPr>
@@ -6395,7 +6395,7 @@
           </a:ln>
           <a:extLst>
             <a:ext uri="{C572A759-6A51-4108-AA02-DFA0A04FC94B}">
-              <ma14:wrappingTextBoxFlag xmlns="" xmlns:ma14="http://schemas.microsoft.com/office/mac/drawingml/2011/main" val="1"/>
+              <ma14:wrappingTextBoxFlag xmlns:ma14="http://schemas.microsoft.com/office/mac/drawingml/2011/main" xmlns="" val="1"/>
             </a:ext>
           </a:extLst>
         </p:spPr>
@@ -6475,7 +6475,7 @@
           </a:ln>
           <a:extLst>
             <a:ext uri="{C572A759-6A51-4108-AA02-DFA0A04FC94B}">
-              <ma14:wrappingTextBoxFlag xmlns="" xmlns:ma14="http://schemas.microsoft.com/office/mac/drawingml/2011/main" val="1"/>
+              <ma14:wrappingTextBoxFlag xmlns:ma14="http://schemas.microsoft.com/office/mac/drawingml/2011/main" xmlns="" val="1"/>
             </a:ext>
           </a:extLst>
         </p:spPr>
@@ -6586,7 +6586,7 @@
           </a:ln>
           <a:extLst>
             <a:ext uri="{C572A759-6A51-4108-AA02-DFA0A04FC94B}">
-              <ma14:wrappingTextBoxFlag xmlns="" xmlns:ma14="http://schemas.microsoft.com/office/mac/drawingml/2011/main" val="1"/>
+              <ma14:wrappingTextBoxFlag xmlns:ma14="http://schemas.microsoft.com/office/mac/drawingml/2011/main" xmlns="" val="1"/>
             </a:ext>
           </a:extLst>
         </p:spPr>
@@ -6890,7 +6890,7 @@
           </a:ln>
           <a:extLst>
             <a:ext uri="{C572A759-6A51-4108-AA02-DFA0A04FC94B}">
-              <ma14:wrappingTextBoxFlag xmlns="" xmlns:ma14="http://schemas.microsoft.com/office/mac/drawingml/2011/main" val="1"/>
+              <ma14:wrappingTextBoxFlag xmlns:ma14="http://schemas.microsoft.com/office/mac/drawingml/2011/main" xmlns="" val="1"/>
             </a:ext>
           </a:extLst>
         </p:spPr>
@@ -7028,7 +7028,7 @@
           </a:ln>
           <a:extLst>
             <a:ext uri="{C572A759-6A51-4108-AA02-DFA0A04FC94B}">
-              <ma14:wrappingTextBoxFlag xmlns="" xmlns:ma14="http://schemas.microsoft.com/office/mac/drawingml/2011/main" val="1"/>
+              <ma14:wrappingTextBoxFlag xmlns:ma14="http://schemas.microsoft.com/office/mac/drawingml/2011/main" xmlns="" val="1"/>
             </a:ext>
           </a:extLst>
         </p:spPr>
@@ -7065,7 +7065,7 @@
           </a:ln>
           <a:extLst>
             <a:ext uri="{C572A759-6A51-4108-AA02-DFA0A04FC94B}">
-              <ma14:wrappingTextBoxFlag xmlns="" xmlns:ma14="http://schemas.microsoft.com/office/mac/drawingml/2011/main" val="1"/>
+              <ma14:wrappingTextBoxFlag xmlns:ma14="http://schemas.microsoft.com/office/mac/drawingml/2011/main" xmlns="" val="1"/>
             </a:ext>
           </a:extLst>
         </p:spPr>
@@ -12802,7 +12802,7 @@
                   </a:schemeClr>
                 </a:solidFill>
               </a:rPr>
-              <a:t> Base API</a:t>
+              <a:t> API: Transformaciones Simples</a:t>
             </a:r>
             <a:endParaRPr lang="es-ES" dirty="0">
               <a:solidFill>

--- a/sources/spark_core.pptx
+++ b/sources/spark_core.pptx
@@ -5,7 +5,7 @@
     <p:sldMasterId id="2147483648" r:id="rId1"/>
   </p:sldMasterIdLst>
   <p:notesMasterIdLst>
-    <p:notesMasterId r:id="rId22"/>
+    <p:notesMasterId r:id="rId29"/>
   </p:notesMasterIdLst>
   <p:sldIdLst>
     <p:sldId id="275" r:id="rId2"/>
@@ -28,6 +28,13 @@
     <p:sldId id="352" r:id="rId19"/>
     <p:sldId id="348" r:id="rId20"/>
     <p:sldId id="354" r:id="rId21"/>
+    <p:sldId id="355" r:id="rId22"/>
+    <p:sldId id="356" r:id="rId23"/>
+    <p:sldId id="357" r:id="rId24"/>
+    <p:sldId id="360" r:id="rId25"/>
+    <p:sldId id="358" r:id="rId26"/>
+    <p:sldId id="359" r:id="rId27"/>
+    <p:sldId id="361" r:id="rId28"/>
   </p:sldIdLst>
   <p:sldSz cx="16256000" cy="9144000"/>
   <p:notesSz cx="6858000" cy="9144000"/>
@@ -5083,6 +5090,142 @@
 </p:notes>
 </file>
 
+<file path=ppt/notesSlides/notesSlide16.xml><?xml version="1.0" encoding="utf-8"?>
+<p:notes xmlns:a="http://schemas.openxmlformats.org/drawingml/2006/main" xmlns:r="http://schemas.openxmlformats.org/officeDocument/2006/relationships" xmlns:p="http://schemas.openxmlformats.org/presentationml/2006/main">
+  <p:cSld>
+    <p:spTree>
+      <p:nvGrpSpPr>
+        <p:cNvPr id="1" name=""/>
+        <p:cNvGrpSpPr/>
+        <p:nvPr/>
+      </p:nvGrpSpPr>
+      <p:grpSpPr>
+        <a:xfrm>
+          <a:off x="0" y="0"/>
+          <a:ext cx="0" cy="0"/>
+          <a:chOff x="0" y="0"/>
+          <a:chExt cx="0" cy="0"/>
+        </a:xfrm>
+      </p:grpSpPr>
+      <p:sp>
+        <p:nvSpPr>
+          <p:cNvPr id="2" name="Marcador de imagen de diapositiva 1"/>
+          <p:cNvSpPr>
+            <a:spLocks noGrp="1" noRot="1" noChangeAspect="1"/>
+          </p:cNvSpPr>
+          <p:nvPr>
+            <p:ph type="sldImg"/>
+          </p:nvPr>
+        </p:nvSpPr>
+        <p:spPr>
+          <a:xfrm>
+            <a:off x="381000" y="685800"/>
+            <a:ext cx="6096000" cy="3429000"/>
+          </a:xfrm>
+        </p:spPr>
+      </p:sp>
+      <p:sp>
+        <p:nvSpPr>
+          <p:cNvPr id="3" name="Marcador de notas 2"/>
+          <p:cNvSpPr>
+            <a:spLocks noGrp="1"/>
+          </p:cNvSpPr>
+          <p:nvPr>
+            <p:ph type="body" idx="1"/>
+          </p:nvPr>
+        </p:nvSpPr>
+        <p:spPr/>
+        <p:txBody>
+          <a:bodyPr/>
+          <a:lstStyle/>
+          <a:p>
+            <a:pPr marL="342900" indent="-342900">
+              <a:buFont typeface="Arial" panose="020B0604020202020204" pitchFamily="34" charset="0"/>
+              <a:buChar char="•"/>
+            </a:pPr>
+            <a:endParaRPr lang="es-ES" dirty="0"/>
+          </a:p>
+        </p:txBody>
+      </p:sp>
+    </p:spTree>
+    <p:extLst>
+      <p:ext uri="{BB962C8B-B14F-4D97-AF65-F5344CB8AC3E}">
+        <p14:creationId xmlns:p14="http://schemas.microsoft.com/office/powerpoint/2010/main" val="1135331772"/>
+      </p:ext>
+    </p:extLst>
+  </p:cSld>
+  <p:clrMapOvr>
+    <a:masterClrMapping/>
+  </p:clrMapOvr>
+</p:notes>
+</file>
+
+<file path=ppt/notesSlides/notesSlide17.xml><?xml version="1.0" encoding="utf-8"?>
+<p:notes xmlns:a="http://schemas.openxmlformats.org/drawingml/2006/main" xmlns:r="http://schemas.openxmlformats.org/officeDocument/2006/relationships" xmlns:p="http://schemas.openxmlformats.org/presentationml/2006/main">
+  <p:cSld>
+    <p:spTree>
+      <p:nvGrpSpPr>
+        <p:cNvPr id="1" name=""/>
+        <p:cNvGrpSpPr/>
+        <p:nvPr/>
+      </p:nvGrpSpPr>
+      <p:grpSpPr>
+        <a:xfrm>
+          <a:off x="0" y="0"/>
+          <a:ext cx="0" cy="0"/>
+          <a:chOff x="0" y="0"/>
+          <a:chExt cx="0" cy="0"/>
+        </a:xfrm>
+      </p:grpSpPr>
+      <p:sp>
+        <p:nvSpPr>
+          <p:cNvPr id="2" name="Marcador de imagen de diapositiva 1"/>
+          <p:cNvSpPr>
+            <a:spLocks noGrp="1" noRot="1" noChangeAspect="1"/>
+          </p:cNvSpPr>
+          <p:nvPr>
+            <p:ph type="sldImg"/>
+          </p:nvPr>
+        </p:nvSpPr>
+        <p:spPr>
+          <a:xfrm>
+            <a:off x="381000" y="685800"/>
+            <a:ext cx="6096000" cy="3429000"/>
+          </a:xfrm>
+        </p:spPr>
+      </p:sp>
+      <p:sp>
+        <p:nvSpPr>
+          <p:cNvPr id="3" name="Marcador de notas 2"/>
+          <p:cNvSpPr>
+            <a:spLocks noGrp="1"/>
+          </p:cNvSpPr>
+          <p:nvPr>
+            <p:ph type="body" idx="1"/>
+          </p:nvPr>
+        </p:nvSpPr>
+        <p:spPr/>
+        <p:txBody>
+          <a:bodyPr/>
+          <a:lstStyle/>
+          <a:p>
+            <a:endParaRPr lang="es-ES" dirty="0"/>
+          </a:p>
+        </p:txBody>
+      </p:sp>
+    </p:spTree>
+    <p:extLst>
+      <p:ext uri="{BB962C8B-B14F-4D97-AF65-F5344CB8AC3E}">
+        <p14:creationId xmlns:p14="http://schemas.microsoft.com/office/powerpoint/2010/main" val="2821519453"/>
+      </p:ext>
+    </p:extLst>
+  </p:cSld>
+  <p:clrMapOvr>
+    <a:masterClrMapping/>
+  </p:clrMapOvr>
+</p:notes>
+</file>
+
 <file path=ppt/notesSlides/notesSlide2.xml><?xml version="1.0" encoding="utf-8"?>
 <p:notes xmlns:a="http://schemas.openxmlformats.org/drawingml/2006/main" xmlns:r="http://schemas.openxmlformats.org/officeDocument/2006/relationships" xmlns:p="http://schemas.openxmlformats.org/presentationml/2006/main">
   <p:cSld>
@@ -5991,7 +6134,7 @@
           </a:ln>
           <a:extLst>
             <a:ext uri="{C572A759-6A51-4108-AA02-DFA0A04FC94B}">
-              <ma14:wrappingTextBoxFlag xmlns:ma14="http://schemas.microsoft.com/office/mac/drawingml/2011/main" xmlns="" val="1"/>
+              <ma14:wrappingTextBoxFlag xmlns="" xmlns:ma14="http://schemas.microsoft.com/office/mac/drawingml/2011/main" val="1"/>
             </a:ext>
           </a:extLst>
         </p:spPr>
@@ -6395,7 +6538,7 @@
           </a:ln>
           <a:extLst>
             <a:ext uri="{C572A759-6A51-4108-AA02-DFA0A04FC94B}">
-              <ma14:wrappingTextBoxFlag xmlns:ma14="http://schemas.microsoft.com/office/mac/drawingml/2011/main" xmlns="" val="1"/>
+              <ma14:wrappingTextBoxFlag xmlns="" xmlns:ma14="http://schemas.microsoft.com/office/mac/drawingml/2011/main" val="1"/>
             </a:ext>
           </a:extLst>
         </p:spPr>
@@ -6475,7 +6618,7 @@
           </a:ln>
           <a:extLst>
             <a:ext uri="{C572A759-6A51-4108-AA02-DFA0A04FC94B}">
-              <ma14:wrappingTextBoxFlag xmlns:ma14="http://schemas.microsoft.com/office/mac/drawingml/2011/main" xmlns="" val="1"/>
+              <ma14:wrappingTextBoxFlag xmlns="" xmlns:ma14="http://schemas.microsoft.com/office/mac/drawingml/2011/main" val="1"/>
             </a:ext>
           </a:extLst>
         </p:spPr>
@@ -6586,7 +6729,7 @@
           </a:ln>
           <a:extLst>
             <a:ext uri="{C572A759-6A51-4108-AA02-DFA0A04FC94B}">
-              <ma14:wrappingTextBoxFlag xmlns:ma14="http://schemas.microsoft.com/office/mac/drawingml/2011/main" xmlns="" val="1"/>
+              <ma14:wrappingTextBoxFlag xmlns="" xmlns:ma14="http://schemas.microsoft.com/office/mac/drawingml/2011/main" val="1"/>
             </a:ext>
           </a:extLst>
         </p:spPr>
@@ -6890,7 +7033,7 @@
           </a:ln>
           <a:extLst>
             <a:ext uri="{C572A759-6A51-4108-AA02-DFA0A04FC94B}">
-              <ma14:wrappingTextBoxFlag xmlns:ma14="http://schemas.microsoft.com/office/mac/drawingml/2011/main" xmlns="" val="1"/>
+              <ma14:wrappingTextBoxFlag xmlns="" xmlns:ma14="http://schemas.microsoft.com/office/mac/drawingml/2011/main" val="1"/>
             </a:ext>
           </a:extLst>
         </p:spPr>
@@ -7028,7 +7171,7 @@
           </a:ln>
           <a:extLst>
             <a:ext uri="{C572A759-6A51-4108-AA02-DFA0A04FC94B}">
-              <ma14:wrappingTextBoxFlag xmlns:ma14="http://schemas.microsoft.com/office/mac/drawingml/2011/main" xmlns="" val="1"/>
+              <ma14:wrappingTextBoxFlag xmlns="" xmlns:ma14="http://schemas.microsoft.com/office/mac/drawingml/2011/main" val="1"/>
             </a:ext>
           </a:extLst>
         </p:spPr>
@@ -7065,7 +7208,7 @@
           </a:ln>
           <a:extLst>
             <a:ext uri="{C572A759-6A51-4108-AA02-DFA0A04FC94B}">
-              <ma14:wrappingTextBoxFlag xmlns:ma14="http://schemas.microsoft.com/office/mac/drawingml/2011/main" xmlns="" val="1"/>
+              <ma14:wrappingTextBoxFlag xmlns="" xmlns:ma14="http://schemas.microsoft.com/office/mac/drawingml/2011/main" val="1"/>
             </a:ext>
           </a:extLst>
         </p:spPr>
@@ -12764,6 +12907,1809 @@
         </p:nvSpPr>
         <p:spPr>
           <a:xfrm>
+            <a:off x="0" y="1"/>
+            <a:ext cx="16256000" cy="4023360"/>
+          </a:xfrm>
+        </p:spPr>
+        <p:txBody>
+          <a:bodyPr anchor="ctr"/>
+          <a:lstStyle/>
+          <a:p>
+            <a:pPr algn="ctr"/>
+            <a:r>
+              <a:rPr lang="es-ES" sz="13800" dirty="0" err="1"/>
+              <a:t>Exercise</a:t>
+            </a:r>
+            <a:r>
+              <a:rPr lang="es-ES" sz="13800" dirty="0"/>
+              <a:t> 1</a:t>
+            </a:r>
+            <a:br>
+              <a:rPr lang="es-ES" sz="13800" dirty="0"/>
+            </a:br>
+            <a:r>
+              <a:rPr lang="es-ES" sz="5400" dirty="0" err="1">
+                <a:solidFill>
+                  <a:schemeClr val="bg2">
+                    <a:lumMod val="75000"/>
+                  </a:schemeClr>
+                </a:solidFill>
+              </a:rPr>
+              <a:t>Spark</a:t>
+            </a:r>
+            <a:r>
+              <a:rPr lang="es-ES" sz="5400" dirty="0">
+                <a:solidFill>
+                  <a:schemeClr val="bg2">
+                    <a:lumMod val="75000"/>
+                  </a:schemeClr>
+                </a:solidFill>
+              </a:rPr>
+              <a:t> API: Transformaciones Simples</a:t>
+            </a:r>
+            <a:endParaRPr lang="es-ES" dirty="0">
+              <a:solidFill>
+                <a:schemeClr val="bg2">
+                  <a:lumMod val="75000"/>
+                </a:schemeClr>
+              </a:solidFill>
+            </a:endParaRPr>
+          </a:p>
+        </p:txBody>
+      </p:sp>
+      <p:sp>
+        <p:nvSpPr>
+          <p:cNvPr id="3" name="Title 1">
+            <a:extLst>
+              <a:ext uri="{FF2B5EF4-FFF2-40B4-BE49-F238E27FC236}">
+                <a16:creationId xmlns:a16="http://schemas.microsoft.com/office/drawing/2014/main" id="{D2D59CA1-0457-0449-AB52-812265619064}"/>
+              </a:ext>
+            </a:extLst>
+          </p:cNvPr>
+          <p:cNvSpPr txBox="1">
+            <a:spLocks/>
+          </p:cNvSpPr>
+          <p:nvPr/>
+        </p:nvSpPr>
+        <p:spPr>
+          <a:xfrm>
+            <a:off x="1658849" y="4023361"/>
+            <a:ext cx="14597151" cy="3192087"/>
+          </a:xfrm>
+          <a:prstGeom prst="rect">
+            <a:avLst/>
+          </a:prstGeom>
+          <a:ln w="12700">
+            <a:miter lim="400000"/>
+          </a:ln>
+          <a:extLst>
+            <a:ext uri="{C572A759-6A51-4108-AA02-DFA0A04FC94B}">
+              <ma14:wrappingTextBoxFlag xmlns="" xmlns:ma14="http://schemas.microsoft.com/office/mac/drawingml/2011/main" val="1"/>
+            </a:ext>
+          </a:extLst>
+        </p:spPr>
+        <p:txBody>
+          <a:bodyPr lIns="50800" tIns="50800" rIns="50800" bIns="50800" numCol="3" anchor="ctr"/>
+          <a:lstStyle>
+            <a:lvl1pPr marL="0" marR="0" indent="0" algn="l" defTabSz="546100" latinLnBrk="0">
+              <a:lnSpc>
+                <a:spcPct val="100000"/>
+              </a:lnSpc>
+              <a:spcBef>
+                <a:spcPts val="0"/>
+              </a:spcBef>
+              <a:spcAft>
+                <a:spcPts val="0"/>
+              </a:spcAft>
+              <a:buClrTx/>
+              <a:buSzTx/>
+              <a:buFontTx/>
+              <a:buNone/>
+              <a:tabLst/>
+              <a:defRPr sz="6400" b="0" i="0" u="none" strike="noStrike" cap="none" spc="0" baseline="0">
+                <a:ln>
+                  <a:noFill/>
+                </a:ln>
+                <a:solidFill>
+                  <a:srgbClr val="4A4A4A"/>
+                </a:solidFill>
+                <a:uFillTx/>
+                <a:latin typeface="+mj-lt"/>
+                <a:ea typeface="+mj-ea"/>
+                <a:cs typeface="+mj-cs"/>
+                <a:sym typeface="Helvetica Neue Medium"/>
+              </a:defRPr>
+            </a:lvl1pPr>
+            <a:lvl2pPr marL="0" marR="0" indent="228600" algn="l" defTabSz="546100" latinLnBrk="0">
+              <a:lnSpc>
+                <a:spcPct val="100000"/>
+              </a:lnSpc>
+              <a:spcBef>
+                <a:spcPts val="0"/>
+              </a:spcBef>
+              <a:spcAft>
+                <a:spcPts val="0"/>
+              </a:spcAft>
+              <a:buClrTx/>
+              <a:buSzTx/>
+              <a:buFontTx/>
+              <a:buNone/>
+              <a:tabLst/>
+              <a:defRPr sz="6400" b="0" i="0" u="none" strike="noStrike" cap="none" spc="0" baseline="0">
+                <a:ln>
+                  <a:noFill/>
+                </a:ln>
+                <a:solidFill>
+                  <a:srgbClr val="4A4A4A"/>
+                </a:solidFill>
+                <a:uFillTx/>
+                <a:latin typeface="Helvetica Neue"/>
+                <a:ea typeface="Helvetica Neue"/>
+                <a:cs typeface="Helvetica Neue"/>
+                <a:sym typeface="Helvetica Neue"/>
+              </a:defRPr>
+            </a:lvl2pPr>
+            <a:lvl3pPr marL="0" marR="0" indent="457200" algn="l" defTabSz="546100" latinLnBrk="0">
+              <a:lnSpc>
+                <a:spcPct val="100000"/>
+              </a:lnSpc>
+              <a:spcBef>
+                <a:spcPts val="0"/>
+              </a:spcBef>
+              <a:spcAft>
+                <a:spcPts val="0"/>
+              </a:spcAft>
+              <a:buClrTx/>
+              <a:buSzTx/>
+              <a:buFontTx/>
+              <a:buNone/>
+              <a:tabLst/>
+              <a:defRPr sz="6400" b="0" i="0" u="none" strike="noStrike" cap="none" spc="0" baseline="0">
+                <a:ln>
+                  <a:noFill/>
+                </a:ln>
+                <a:solidFill>
+                  <a:srgbClr val="4A4A4A"/>
+                </a:solidFill>
+                <a:uFillTx/>
+                <a:latin typeface="Helvetica Neue"/>
+                <a:ea typeface="Helvetica Neue"/>
+                <a:cs typeface="Helvetica Neue"/>
+                <a:sym typeface="Helvetica Neue"/>
+              </a:defRPr>
+            </a:lvl3pPr>
+            <a:lvl4pPr marL="0" marR="0" indent="685800" algn="l" defTabSz="546100" latinLnBrk="0">
+              <a:lnSpc>
+                <a:spcPct val="100000"/>
+              </a:lnSpc>
+              <a:spcBef>
+                <a:spcPts val="0"/>
+              </a:spcBef>
+              <a:spcAft>
+                <a:spcPts val="0"/>
+              </a:spcAft>
+              <a:buClrTx/>
+              <a:buSzTx/>
+              <a:buFontTx/>
+              <a:buNone/>
+              <a:tabLst/>
+              <a:defRPr sz="6400" b="0" i="0" u="none" strike="noStrike" cap="none" spc="0" baseline="0">
+                <a:ln>
+                  <a:noFill/>
+                </a:ln>
+                <a:solidFill>
+                  <a:srgbClr val="4A4A4A"/>
+                </a:solidFill>
+                <a:uFillTx/>
+                <a:latin typeface="Helvetica Neue"/>
+                <a:ea typeface="Helvetica Neue"/>
+                <a:cs typeface="Helvetica Neue"/>
+                <a:sym typeface="Helvetica Neue"/>
+              </a:defRPr>
+            </a:lvl4pPr>
+            <a:lvl5pPr marL="0" marR="0" indent="914400" algn="l" defTabSz="546100" latinLnBrk="0">
+              <a:lnSpc>
+                <a:spcPct val="100000"/>
+              </a:lnSpc>
+              <a:spcBef>
+                <a:spcPts val="0"/>
+              </a:spcBef>
+              <a:spcAft>
+                <a:spcPts val="0"/>
+              </a:spcAft>
+              <a:buClrTx/>
+              <a:buSzTx/>
+              <a:buFontTx/>
+              <a:buNone/>
+              <a:tabLst/>
+              <a:defRPr sz="6400" b="0" i="0" u="none" strike="noStrike" cap="none" spc="0" baseline="0">
+                <a:ln>
+                  <a:noFill/>
+                </a:ln>
+                <a:solidFill>
+                  <a:srgbClr val="4A4A4A"/>
+                </a:solidFill>
+                <a:uFillTx/>
+                <a:latin typeface="Helvetica Neue"/>
+                <a:ea typeface="Helvetica Neue"/>
+                <a:cs typeface="Helvetica Neue"/>
+                <a:sym typeface="Helvetica Neue"/>
+              </a:defRPr>
+            </a:lvl5pPr>
+            <a:lvl6pPr marL="0" marR="0" indent="1143000" algn="l" defTabSz="546100" latinLnBrk="0">
+              <a:lnSpc>
+                <a:spcPct val="100000"/>
+              </a:lnSpc>
+              <a:spcBef>
+                <a:spcPts val="0"/>
+              </a:spcBef>
+              <a:spcAft>
+                <a:spcPts val="0"/>
+              </a:spcAft>
+              <a:buClrTx/>
+              <a:buSzTx/>
+              <a:buFontTx/>
+              <a:buNone/>
+              <a:tabLst/>
+              <a:defRPr sz="6400" b="0" i="0" u="none" strike="noStrike" cap="none" spc="0" baseline="0">
+                <a:ln>
+                  <a:noFill/>
+                </a:ln>
+                <a:solidFill>
+                  <a:srgbClr val="4A4A4A"/>
+                </a:solidFill>
+                <a:uFillTx/>
+                <a:latin typeface="Helvetica Neue"/>
+                <a:ea typeface="Helvetica Neue"/>
+                <a:cs typeface="Helvetica Neue"/>
+                <a:sym typeface="Helvetica Neue"/>
+              </a:defRPr>
+            </a:lvl6pPr>
+            <a:lvl7pPr marL="0" marR="0" indent="1371600" algn="l" defTabSz="546100" latinLnBrk="0">
+              <a:lnSpc>
+                <a:spcPct val="100000"/>
+              </a:lnSpc>
+              <a:spcBef>
+                <a:spcPts val="0"/>
+              </a:spcBef>
+              <a:spcAft>
+                <a:spcPts val="0"/>
+              </a:spcAft>
+              <a:buClrTx/>
+              <a:buSzTx/>
+              <a:buFontTx/>
+              <a:buNone/>
+              <a:tabLst/>
+              <a:defRPr sz="6400" b="0" i="0" u="none" strike="noStrike" cap="none" spc="0" baseline="0">
+                <a:ln>
+                  <a:noFill/>
+                </a:ln>
+                <a:solidFill>
+                  <a:srgbClr val="4A4A4A"/>
+                </a:solidFill>
+                <a:uFillTx/>
+                <a:latin typeface="Helvetica Neue"/>
+                <a:ea typeface="Helvetica Neue"/>
+                <a:cs typeface="Helvetica Neue"/>
+                <a:sym typeface="Helvetica Neue"/>
+              </a:defRPr>
+            </a:lvl7pPr>
+            <a:lvl8pPr marL="0" marR="0" indent="1600200" algn="l" defTabSz="546100" latinLnBrk="0">
+              <a:lnSpc>
+                <a:spcPct val="100000"/>
+              </a:lnSpc>
+              <a:spcBef>
+                <a:spcPts val="0"/>
+              </a:spcBef>
+              <a:spcAft>
+                <a:spcPts val="0"/>
+              </a:spcAft>
+              <a:buClrTx/>
+              <a:buSzTx/>
+              <a:buFontTx/>
+              <a:buNone/>
+              <a:tabLst/>
+              <a:defRPr sz="6400" b="0" i="0" u="none" strike="noStrike" cap="none" spc="0" baseline="0">
+                <a:ln>
+                  <a:noFill/>
+                </a:ln>
+                <a:solidFill>
+                  <a:srgbClr val="4A4A4A"/>
+                </a:solidFill>
+                <a:uFillTx/>
+                <a:latin typeface="Helvetica Neue"/>
+                <a:ea typeface="Helvetica Neue"/>
+                <a:cs typeface="Helvetica Neue"/>
+                <a:sym typeface="Helvetica Neue"/>
+              </a:defRPr>
+            </a:lvl8pPr>
+            <a:lvl9pPr marL="0" marR="0" indent="1828800" algn="l" defTabSz="546100" latinLnBrk="0">
+              <a:lnSpc>
+                <a:spcPct val="100000"/>
+              </a:lnSpc>
+              <a:spcBef>
+                <a:spcPts val="0"/>
+              </a:spcBef>
+              <a:spcAft>
+                <a:spcPts val="0"/>
+              </a:spcAft>
+              <a:buClrTx/>
+              <a:buSzTx/>
+              <a:buFontTx/>
+              <a:buNone/>
+              <a:tabLst/>
+              <a:defRPr sz="6400" b="0" i="0" u="none" strike="noStrike" cap="none" spc="0" baseline="0">
+                <a:ln>
+                  <a:noFill/>
+                </a:ln>
+                <a:solidFill>
+                  <a:srgbClr val="4A4A4A"/>
+                </a:solidFill>
+                <a:uFillTx/>
+                <a:latin typeface="Helvetica Neue"/>
+                <a:ea typeface="Helvetica Neue"/>
+                <a:cs typeface="Helvetica Neue"/>
+                <a:sym typeface="Helvetica Neue"/>
+              </a:defRPr>
+            </a:lvl9pPr>
+          </a:lstStyle>
+          <a:p>
+            <a:pPr marL="857250" indent="-857250" hangingPunct="1">
+              <a:buFont typeface="Wingdings" pitchFamily="2" charset="2"/>
+              <a:buChar char="Ø"/>
+            </a:pPr>
+            <a:r>
+              <a:rPr lang="es-ES" sz="3200" dirty="0" err="1">
+                <a:solidFill>
+                  <a:schemeClr val="bg2">
+                    <a:lumMod val="75000"/>
+                  </a:schemeClr>
+                </a:solidFill>
+              </a:rPr>
+              <a:t>map</a:t>
+            </a:r>
+            <a:endParaRPr lang="es-ES" sz="3200" dirty="0">
+              <a:solidFill>
+                <a:schemeClr val="bg2">
+                  <a:lumMod val="75000"/>
+                </a:schemeClr>
+              </a:solidFill>
+            </a:endParaRPr>
+          </a:p>
+          <a:p>
+            <a:pPr marL="857250" indent="-857250" hangingPunct="1">
+              <a:buFont typeface="Wingdings" pitchFamily="2" charset="2"/>
+              <a:buChar char="Ø"/>
+            </a:pPr>
+            <a:r>
+              <a:rPr lang="es-ES" sz="3200" dirty="0" err="1">
+                <a:solidFill>
+                  <a:schemeClr val="bg2">
+                    <a:lumMod val="75000"/>
+                  </a:schemeClr>
+                </a:solidFill>
+              </a:rPr>
+              <a:t>filter</a:t>
+            </a:r>
+            <a:endParaRPr lang="es-ES" sz="3200" dirty="0">
+              <a:solidFill>
+                <a:schemeClr val="bg2">
+                  <a:lumMod val="75000"/>
+                </a:schemeClr>
+              </a:solidFill>
+            </a:endParaRPr>
+          </a:p>
+          <a:p>
+            <a:pPr marL="857250" indent="-857250" hangingPunct="1">
+              <a:buFont typeface="Wingdings" pitchFamily="2" charset="2"/>
+              <a:buChar char="Ø"/>
+            </a:pPr>
+            <a:r>
+              <a:rPr lang="es-ES" sz="3200" dirty="0" err="1">
+                <a:solidFill>
+                  <a:schemeClr val="bg2">
+                    <a:lumMod val="75000"/>
+                  </a:schemeClr>
+                </a:solidFill>
+              </a:rPr>
+              <a:t>flatMap</a:t>
+            </a:r>
+            <a:endParaRPr lang="es-ES" sz="3200" dirty="0">
+              <a:solidFill>
+                <a:schemeClr val="bg2">
+                  <a:lumMod val="75000"/>
+                </a:schemeClr>
+              </a:solidFill>
+            </a:endParaRPr>
+          </a:p>
+          <a:p>
+            <a:pPr marL="857250" indent="-857250" hangingPunct="1">
+              <a:buFont typeface="Wingdings" pitchFamily="2" charset="2"/>
+              <a:buChar char="Ø"/>
+            </a:pPr>
+            <a:r>
+              <a:rPr lang="es-ES" sz="3200" dirty="0" err="1">
+                <a:solidFill>
+                  <a:schemeClr val="bg2">
+                    <a:lumMod val="75000"/>
+                  </a:schemeClr>
+                </a:solidFill>
+              </a:rPr>
+              <a:t>mapPartitions</a:t>
+            </a:r>
+            <a:endParaRPr lang="es-ES" sz="3200" dirty="0">
+              <a:solidFill>
+                <a:schemeClr val="bg2">
+                  <a:lumMod val="75000"/>
+                </a:schemeClr>
+              </a:solidFill>
+            </a:endParaRPr>
+          </a:p>
+          <a:p>
+            <a:pPr marL="857250" indent="-857250" hangingPunct="1">
+              <a:buFont typeface="Wingdings" pitchFamily="2" charset="2"/>
+              <a:buChar char="Ø"/>
+            </a:pPr>
+            <a:r>
+              <a:rPr lang="es-ES" sz="3200" dirty="0" err="1">
+                <a:solidFill>
+                  <a:schemeClr val="bg2">
+                    <a:lumMod val="75000"/>
+                  </a:schemeClr>
+                </a:solidFill>
+              </a:rPr>
+              <a:t>mapPartitionsWithIndex</a:t>
+            </a:r>
+            <a:endParaRPr lang="es-ES" sz="3200" dirty="0">
+              <a:solidFill>
+                <a:schemeClr val="bg2">
+                  <a:lumMod val="75000"/>
+                </a:schemeClr>
+              </a:solidFill>
+            </a:endParaRPr>
+          </a:p>
+          <a:p>
+            <a:pPr marL="857250" indent="-857250" hangingPunct="1">
+              <a:buFont typeface="Wingdings" pitchFamily="2" charset="2"/>
+              <a:buChar char="Ø"/>
+            </a:pPr>
+            <a:r>
+              <a:rPr lang="es-ES" sz="3200" dirty="0" err="1">
+                <a:solidFill>
+                  <a:schemeClr val="bg2">
+                    <a:lumMod val="75000"/>
+                  </a:schemeClr>
+                </a:solidFill>
+              </a:rPr>
+              <a:t>sample</a:t>
+            </a:r>
+            <a:endParaRPr lang="es-ES" sz="3200" dirty="0">
+              <a:solidFill>
+                <a:schemeClr val="bg2">
+                  <a:lumMod val="75000"/>
+                </a:schemeClr>
+              </a:solidFill>
+            </a:endParaRPr>
+          </a:p>
+          <a:p>
+            <a:pPr marL="857250" indent="-857250" hangingPunct="1">
+              <a:buFont typeface="Wingdings" pitchFamily="2" charset="2"/>
+              <a:buChar char="Ø"/>
+            </a:pPr>
+            <a:r>
+              <a:rPr lang="es-ES" sz="3200" dirty="0" err="1">
+                <a:solidFill>
+                  <a:schemeClr val="bg2">
+                    <a:lumMod val="75000"/>
+                  </a:schemeClr>
+                </a:solidFill>
+              </a:rPr>
+              <a:t>union</a:t>
+            </a:r>
+            <a:endParaRPr lang="es-ES" sz="3200" dirty="0">
+              <a:solidFill>
+                <a:schemeClr val="bg2">
+                  <a:lumMod val="75000"/>
+                </a:schemeClr>
+              </a:solidFill>
+            </a:endParaRPr>
+          </a:p>
+          <a:p>
+            <a:pPr marL="857250" indent="-857250" hangingPunct="1">
+              <a:buFont typeface="Wingdings" pitchFamily="2" charset="2"/>
+              <a:buChar char="Ø"/>
+            </a:pPr>
+            <a:r>
+              <a:rPr lang="es-ES" sz="3200" dirty="0" err="1">
+                <a:solidFill>
+                  <a:schemeClr val="bg2">
+                    <a:lumMod val="75000"/>
+                  </a:schemeClr>
+                </a:solidFill>
+              </a:rPr>
+              <a:t>intersection</a:t>
+            </a:r>
+            <a:endParaRPr lang="es-ES" sz="3200" dirty="0">
+              <a:solidFill>
+                <a:schemeClr val="bg2">
+                  <a:lumMod val="75000"/>
+                </a:schemeClr>
+              </a:solidFill>
+            </a:endParaRPr>
+          </a:p>
+          <a:p>
+            <a:pPr marL="857250" indent="-857250" hangingPunct="1">
+              <a:buFont typeface="Wingdings" pitchFamily="2" charset="2"/>
+              <a:buChar char="Ø"/>
+            </a:pPr>
+            <a:r>
+              <a:rPr lang="es-ES" sz="3200" dirty="0" err="1">
+                <a:solidFill>
+                  <a:schemeClr val="bg2">
+                    <a:lumMod val="75000"/>
+                  </a:schemeClr>
+                </a:solidFill>
+              </a:rPr>
+              <a:t>distinct</a:t>
+            </a:r>
+            <a:endParaRPr lang="es-ES" sz="3200" dirty="0">
+              <a:solidFill>
+                <a:schemeClr val="bg2">
+                  <a:lumMod val="75000"/>
+                </a:schemeClr>
+              </a:solidFill>
+            </a:endParaRPr>
+          </a:p>
+          <a:p>
+            <a:pPr marL="857250" indent="-857250" hangingPunct="1">
+              <a:buFont typeface="Wingdings" pitchFamily="2" charset="2"/>
+              <a:buChar char="Ø"/>
+            </a:pPr>
+            <a:r>
+              <a:rPr lang="es-ES" sz="3200" dirty="0">
+                <a:solidFill>
+                  <a:schemeClr val="bg2">
+                    <a:lumMod val="75000"/>
+                  </a:schemeClr>
+                </a:solidFill>
+              </a:rPr>
+              <a:t>pipe</a:t>
+            </a:r>
+          </a:p>
+          <a:p>
+            <a:pPr marL="857250" indent="-857250" hangingPunct="1">
+              <a:buFont typeface="Wingdings" pitchFamily="2" charset="2"/>
+              <a:buChar char="Ø"/>
+            </a:pPr>
+            <a:r>
+              <a:rPr lang="es-ES" sz="3200" dirty="0" err="1">
+                <a:solidFill>
+                  <a:schemeClr val="bg2">
+                    <a:lumMod val="75000"/>
+                  </a:schemeClr>
+                </a:solidFill>
+              </a:rPr>
+              <a:t>coalesce</a:t>
+            </a:r>
+            <a:endParaRPr lang="es-ES" sz="3200" dirty="0">
+              <a:solidFill>
+                <a:schemeClr val="bg2">
+                  <a:lumMod val="75000"/>
+                </a:schemeClr>
+              </a:solidFill>
+            </a:endParaRPr>
+          </a:p>
+          <a:p>
+            <a:pPr marL="857250" indent="-857250" hangingPunct="1">
+              <a:buFont typeface="Wingdings" pitchFamily="2" charset="2"/>
+              <a:buChar char="Ø"/>
+            </a:pPr>
+            <a:r>
+              <a:rPr lang="es-ES" sz="3200" dirty="0" err="1">
+                <a:solidFill>
+                  <a:schemeClr val="bg2">
+                    <a:lumMod val="75000"/>
+                  </a:schemeClr>
+                </a:solidFill>
+              </a:rPr>
+              <a:t>repartition</a:t>
+            </a:r>
+            <a:endParaRPr lang="es-ES" sz="3200" dirty="0">
+              <a:solidFill>
+                <a:schemeClr val="bg2">
+                  <a:lumMod val="75000"/>
+                </a:schemeClr>
+              </a:solidFill>
+            </a:endParaRPr>
+          </a:p>
+          <a:p>
+            <a:pPr marL="857250" indent="-857250" hangingPunct="1">
+              <a:buFont typeface="Wingdings" pitchFamily="2" charset="2"/>
+              <a:buChar char="Ø"/>
+            </a:pPr>
+            <a:r>
+              <a:rPr lang="es-ES" sz="3200" dirty="0" err="1">
+                <a:solidFill>
+                  <a:schemeClr val="bg2">
+                    <a:lumMod val="75000"/>
+                  </a:schemeClr>
+                </a:solidFill>
+              </a:rPr>
+              <a:t>cartesian</a:t>
+            </a:r>
+            <a:endParaRPr lang="es-ES" sz="3200" dirty="0">
+              <a:solidFill>
+                <a:schemeClr val="bg2">
+                  <a:lumMod val="75000"/>
+                </a:schemeClr>
+              </a:solidFill>
+            </a:endParaRPr>
+          </a:p>
+          <a:p>
+            <a:pPr marL="857250" indent="-857250" hangingPunct="1">
+              <a:buFont typeface="Wingdings" pitchFamily="2" charset="2"/>
+              <a:buChar char="Ø"/>
+            </a:pPr>
+            <a:r>
+              <a:rPr lang="es-ES" sz="3200" dirty="0" err="1">
+                <a:solidFill>
+                  <a:schemeClr val="bg2">
+                    <a:lumMod val="75000"/>
+                  </a:schemeClr>
+                </a:solidFill>
+              </a:rPr>
+              <a:t>groupBy</a:t>
+            </a:r>
+            <a:endParaRPr lang="es-ES" sz="3200" dirty="0">
+              <a:solidFill>
+                <a:schemeClr val="bg2">
+                  <a:lumMod val="75000"/>
+                </a:schemeClr>
+              </a:solidFill>
+            </a:endParaRPr>
+          </a:p>
+        </p:txBody>
+      </p:sp>
+    </p:spTree>
+    <p:extLst>
+      <p:ext uri="{BB962C8B-B14F-4D97-AF65-F5344CB8AC3E}">
+        <p14:creationId xmlns:p14="http://schemas.microsoft.com/office/powerpoint/2010/main" val="2504273011"/>
+      </p:ext>
+    </p:extLst>
+  </p:cSld>
+  <p:clrMapOvr>
+    <a:masterClrMapping/>
+  </p:clrMapOvr>
+  <p:transition spd="med"/>
+</p:sld>
+</file>
+
+<file path=ppt/slides/slide21.xml><?xml version="1.0" encoding="utf-8"?>
+<p:sld xmlns:a="http://schemas.openxmlformats.org/drawingml/2006/main" xmlns:r="http://schemas.openxmlformats.org/officeDocument/2006/relationships" xmlns:p="http://schemas.openxmlformats.org/presentationml/2006/main">
+  <p:cSld>
+    <p:spTree>
+      <p:nvGrpSpPr>
+        <p:cNvPr id="1" name=""/>
+        <p:cNvGrpSpPr/>
+        <p:nvPr/>
+      </p:nvGrpSpPr>
+      <p:grpSpPr>
+        <a:xfrm>
+          <a:off x="0" y="0"/>
+          <a:ext cx="0" cy="0"/>
+          <a:chOff x="0" y="0"/>
+          <a:chExt cx="0" cy="0"/>
+        </a:xfrm>
+      </p:grpSpPr>
+      <p:sp>
+        <p:nvSpPr>
+          <p:cNvPr id="2" name="Title 1">
+            <a:extLst>
+              <a:ext uri="{FF2B5EF4-FFF2-40B4-BE49-F238E27FC236}">
+                <a16:creationId xmlns:a16="http://schemas.microsoft.com/office/drawing/2014/main" id="{2CB6DB72-81D6-49E2-BEBB-FE58961ECF90}"/>
+              </a:ext>
+            </a:extLst>
+          </p:cNvPr>
+          <p:cNvSpPr>
+            <a:spLocks noGrp="1"/>
+          </p:cNvSpPr>
+          <p:nvPr>
+            <p:ph type="title"/>
+          </p:nvPr>
+        </p:nvSpPr>
+        <p:spPr/>
+        <p:txBody>
+          <a:bodyPr/>
+          <a:lstStyle/>
+          <a:p>
+            <a:r>
+              <a:rPr lang="es-ES" b="1" dirty="0"/>
+              <a:t>RRD: Key/</a:t>
+            </a:r>
+            <a:r>
+              <a:rPr lang="es-ES" b="1" dirty="0" err="1"/>
+              <a:t>Value</a:t>
+            </a:r>
+            <a:r>
+              <a:rPr lang="es-ES" b="1" dirty="0"/>
+              <a:t> </a:t>
+            </a:r>
+            <a:r>
+              <a:rPr lang="es-ES" b="1" dirty="0" err="1"/>
+              <a:t>Pairs</a:t>
+            </a:r>
+            <a:endParaRPr lang="es-ES" b="1" dirty="0"/>
+          </a:p>
+        </p:txBody>
+      </p:sp>
+      <p:sp>
+        <p:nvSpPr>
+          <p:cNvPr id="3" name="Rectángulo 2">
+            <a:extLst>
+              <a:ext uri="{FF2B5EF4-FFF2-40B4-BE49-F238E27FC236}">
+                <a16:creationId xmlns:a16="http://schemas.microsoft.com/office/drawing/2014/main" id="{74FCAFA5-7753-3A4C-AFFC-E9E45475D6A8}"/>
+              </a:ext>
+            </a:extLst>
+          </p:cNvPr>
+          <p:cNvSpPr/>
+          <p:nvPr/>
+        </p:nvSpPr>
+        <p:spPr>
+          <a:xfrm>
+            <a:off x="290286" y="1755844"/>
+            <a:ext cx="15675428" cy="3416320"/>
+          </a:xfrm>
+          <a:prstGeom prst="rect">
+            <a:avLst/>
+          </a:prstGeom>
+        </p:spPr>
+        <p:txBody>
+          <a:bodyPr wrap="square">
+            <a:spAutoFit/>
+          </a:bodyPr>
+          <a:lstStyle/>
+          <a:p>
+            <a:pPr marL="571500" indent="-571500" algn="l">
+              <a:buFont typeface="Arial" panose="020B0604020202020204" pitchFamily="34" charset="0"/>
+              <a:buChar char="•"/>
+            </a:pPr>
+            <a:r>
+              <a:rPr lang="es-ES" dirty="0" err="1">
+                <a:solidFill>
+                  <a:schemeClr val="tx1"/>
+                </a:solidFill>
+                <a:latin typeface="Arial" panose="020B0604020202020204" pitchFamily="34" charset="0"/>
+                <a:cs typeface="Arial" panose="020B0604020202020204" pitchFamily="34" charset="0"/>
+              </a:rPr>
+              <a:t>RDDs</a:t>
+            </a:r>
+            <a:r>
+              <a:rPr lang="es-ES" dirty="0">
+                <a:solidFill>
+                  <a:schemeClr val="tx1"/>
+                </a:solidFill>
+                <a:latin typeface="Arial" panose="020B0604020202020204" pitchFamily="34" charset="0"/>
+                <a:cs typeface="Arial" panose="020B0604020202020204" pitchFamily="34" charset="0"/>
+              </a:rPr>
+              <a:t> donde cada elemento de la colección es una </a:t>
+            </a:r>
+            <a:r>
+              <a:rPr lang="es-ES" dirty="0" err="1">
+                <a:solidFill>
+                  <a:schemeClr val="tx1"/>
+                </a:solidFill>
+                <a:latin typeface="Arial" panose="020B0604020202020204" pitchFamily="34" charset="0"/>
+                <a:cs typeface="Arial" panose="020B0604020202020204" pitchFamily="34" charset="0"/>
+              </a:rPr>
+              <a:t>tupla</a:t>
+            </a:r>
+            <a:r>
+              <a:rPr lang="es-ES" dirty="0">
+                <a:solidFill>
+                  <a:schemeClr val="tx1"/>
+                </a:solidFill>
+                <a:latin typeface="Arial" panose="020B0604020202020204" pitchFamily="34" charset="0"/>
+                <a:cs typeface="Arial" panose="020B0604020202020204" pitchFamily="34" charset="0"/>
+              </a:rPr>
+              <a:t> de dos elementos: CLAVE -&gt; VALOR</a:t>
+            </a:r>
+          </a:p>
+          <a:p>
+            <a:pPr marL="571500" indent="-571500" algn="l">
+              <a:buFont typeface="Arial" panose="020B0604020202020204" pitchFamily="34" charset="0"/>
+              <a:buChar char="•"/>
+            </a:pPr>
+            <a:r>
+              <a:rPr lang="es-ES" dirty="0">
+                <a:solidFill>
+                  <a:schemeClr val="tx1"/>
+                </a:solidFill>
+                <a:latin typeface="Arial" panose="020B0604020202020204" pitchFamily="34" charset="0"/>
+                <a:cs typeface="Arial" panose="020B0604020202020204" pitchFamily="34" charset="0"/>
+              </a:rPr>
+              <a:t>Pueden ser generados:</a:t>
+            </a:r>
+          </a:p>
+          <a:p>
+            <a:pPr marL="571500" indent="-571500" algn="l">
+              <a:buFont typeface="Arial" panose="020B0604020202020204" pitchFamily="34" charset="0"/>
+              <a:buChar char="•"/>
+            </a:pPr>
+            <a:endParaRPr lang="es-ES" dirty="0">
+              <a:solidFill>
+                <a:schemeClr val="tx1"/>
+              </a:solidFill>
+              <a:latin typeface="Arial" panose="020B0604020202020204" pitchFamily="34" charset="0"/>
+              <a:cs typeface="Arial" panose="020B0604020202020204" pitchFamily="34" charset="0"/>
+            </a:endParaRPr>
+          </a:p>
+          <a:p>
+            <a:pPr marL="571500" indent="-571500" algn="l">
+              <a:buFont typeface="Arial" panose="020B0604020202020204" pitchFamily="34" charset="0"/>
+              <a:buChar char="•"/>
+            </a:pPr>
+            <a:endParaRPr lang="es-ES" dirty="0">
+              <a:solidFill>
+                <a:schemeClr val="tx1"/>
+              </a:solidFill>
+              <a:latin typeface="Arial" panose="020B0604020202020204" pitchFamily="34" charset="0"/>
+              <a:cs typeface="Arial" panose="020B0604020202020204" pitchFamily="34" charset="0"/>
+            </a:endParaRPr>
+          </a:p>
+          <a:p>
+            <a:pPr marL="571500" indent="-571500" algn="l">
+              <a:buFont typeface="Arial" panose="020B0604020202020204" pitchFamily="34" charset="0"/>
+              <a:buChar char="•"/>
+            </a:pPr>
+            <a:r>
+              <a:rPr lang="es-ES" dirty="0">
+                <a:solidFill>
+                  <a:schemeClr val="tx1"/>
+                </a:solidFill>
+                <a:latin typeface="Arial" panose="020B0604020202020204" pitchFamily="34" charset="0"/>
+                <a:cs typeface="Arial" panose="020B0604020202020204" pitchFamily="34" charset="0"/>
+              </a:rPr>
+              <a:t>Construirse a mediante transformaciones:</a:t>
+            </a:r>
+          </a:p>
+        </p:txBody>
+      </p:sp>
+      <p:sp>
+        <p:nvSpPr>
+          <p:cNvPr id="4" name="Rectángulo 3">
+            <a:extLst>
+              <a:ext uri="{FF2B5EF4-FFF2-40B4-BE49-F238E27FC236}">
+                <a16:creationId xmlns:a16="http://schemas.microsoft.com/office/drawing/2014/main" id="{CF32A719-91F3-0A4D-81E9-2AE097B7A0B9}"/>
+              </a:ext>
+            </a:extLst>
+          </p:cNvPr>
+          <p:cNvSpPr/>
+          <p:nvPr/>
+        </p:nvSpPr>
+        <p:spPr>
+          <a:xfrm>
+            <a:off x="290286" y="3651761"/>
+            <a:ext cx="11726487" cy="646331"/>
+          </a:xfrm>
+          <a:prstGeom prst="rect">
+            <a:avLst/>
+          </a:prstGeom>
+        </p:spPr>
+        <p:txBody>
+          <a:bodyPr wrap="square">
+            <a:spAutoFit/>
+          </a:bodyPr>
+          <a:lstStyle/>
+          <a:p>
+            <a:pPr algn="l"/>
+            <a:r>
+              <a:rPr lang="es-ES" dirty="0">
+                <a:solidFill>
+                  <a:srgbClr val="0033B3"/>
+                </a:solidFill>
+              </a:rPr>
+              <a:t>val </a:t>
+            </a:r>
+            <a:r>
+              <a:rPr lang="es-ES" dirty="0" err="1">
+                <a:solidFill>
+                  <a:srgbClr val="808080"/>
+                </a:solidFill>
+              </a:rPr>
+              <a:t>keyValuePairRDD</a:t>
+            </a:r>
+            <a:r>
+              <a:rPr lang="es-ES" dirty="0">
+                <a:solidFill>
+                  <a:srgbClr val="808080"/>
+                </a:solidFill>
+              </a:rPr>
+              <a:t> </a:t>
+            </a:r>
+            <a:r>
+              <a:rPr lang="es-ES" dirty="0"/>
+              <a:t>= </a:t>
+            </a:r>
+            <a:r>
+              <a:rPr lang="es-ES" dirty="0" err="1"/>
+              <a:t>sc.parallelize</a:t>
+            </a:r>
+            <a:r>
+              <a:rPr lang="es-ES" dirty="0"/>
+              <a:t>(</a:t>
+            </a:r>
+            <a:r>
+              <a:rPr lang="es-ES" i="1" dirty="0" err="1">
+                <a:solidFill>
+                  <a:srgbClr val="871094"/>
+                </a:solidFill>
+              </a:rPr>
+              <a:t>Seq</a:t>
+            </a:r>
+            <a:r>
+              <a:rPr lang="es-ES" dirty="0"/>
+              <a:t>((</a:t>
+            </a:r>
+            <a:r>
+              <a:rPr lang="es-ES" dirty="0">
+                <a:solidFill>
+                  <a:srgbClr val="1750EB"/>
+                </a:solidFill>
+              </a:rPr>
+              <a:t>1</a:t>
+            </a:r>
+            <a:r>
+              <a:rPr lang="es-ES" dirty="0"/>
+              <a:t>,</a:t>
+            </a:r>
+            <a:r>
+              <a:rPr lang="es-ES" dirty="0">
+                <a:solidFill>
+                  <a:srgbClr val="1750EB"/>
+                </a:solidFill>
+              </a:rPr>
+              <a:t>2</a:t>
+            </a:r>
+            <a:r>
+              <a:rPr lang="es-ES" dirty="0"/>
+              <a:t>), (</a:t>
+            </a:r>
+            <a:r>
+              <a:rPr lang="es-ES" dirty="0">
+                <a:solidFill>
+                  <a:srgbClr val="1750EB"/>
+                </a:solidFill>
+              </a:rPr>
+              <a:t>2</a:t>
+            </a:r>
+            <a:r>
+              <a:rPr lang="es-ES" dirty="0"/>
+              <a:t>,</a:t>
+            </a:r>
+            <a:r>
+              <a:rPr lang="es-ES" dirty="0">
+                <a:solidFill>
+                  <a:srgbClr val="1750EB"/>
+                </a:solidFill>
+              </a:rPr>
+              <a:t>3</a:t>
+            </a:r>
+            <a:r>
+              <a:rPr lang="es-ES" dirty="0"/>
+              <a:t>)))</a:t>
+            </a:r>
+          </a:p>
+        </p:txBody>
+      </p:sp>
+      <p:sp>
+        <p:nvSpPr>
+          <p:cNvPr id="5" name="Rectángulo 4">
+            <a:extLst>
+              <a:ext uri="{FF2B5EF4-FFF2-40B4-BE49-F238E27FC236}">
+                <a16:creationId xmlns:a16="http://schemas.microsoft.com/office/drawing/2014/main" id="{50634992-D17E-EE46-9241-0218B83C36D5}"/>
+              </a:ext>
+            </a:extLst>
+          </p:cNvPr>
+          <p:cNvSpPr/>
+          <p:nvPr/>
+        </p:nvSpPr>
+        <p:spPr>
+          <a:xfrm>
+            <a:off x="290286" y="5385275"/>
+            <a:ext cx="16126690" cy="1754326"/>
+          </a:xfrm>
+          <a:prstGeom prst="rect">
+            <a:avLst/>
+          </a:prstGeom>
+        </p:spPr>
+        <p:txBody>
+          <a:bodyPr wrap="square">
+            <a:spAutoFit/>
+          </a:bodyPr>
+          <a:lstStyle/>
+          <a:p>
+            <a:pPr algn="l"/>
+            <a:r>
+              <a:rPr lang="es-ES" dirty="0">
+                <a:solidFill>
+                  <a:srgbClr val="0033B3"/>
+                </a:solidFill>
+              </a:rPr>
+              <a:t>val </a:t>
+            </a:r>
+            <a:r>
+              <a:rPr lang="es-ES" dirty="0" err="1"/>
+              <a:t>words</a:t>
+            </a:r>
+            <a:r>
+              <a:rPr lang="es-ES" dirty="0"/>
+              <a:t> = </a:t>
+            </a:r>
+            <a:r>
+              <a:rPr lang="es-ES" dirty="0" err="1"/>
+              <a:t>sc.parallelize</a:t>
+            </a:r>
+            <a:r>
+              <a:rPr lang="es-ES" dirty="0"/>
+              <a:t>(</a:t>
+            </a:r>
+            <a:r>
+              <a:rPr lang="es-ES" i="1" dirty="0" err="1">
+                <a:solidFill>
+                  <a:srgbClr val="871094"/>
+                </a:solidFill>
+              </a:rPr>
+              <a:t>List</a:t>
+            </a:r>
+            <a:r>
+              <a:rPr lang="es-ES" dirty="0"/>
+              <a:t>(</a:t>
+            </a:r>
+            <a:r>
+              <a:rPr lang="es-ES" dirty="0">
+                <a:solidFill>
+                  <a:srgbClr val="067D17"/>
+                </a:solidFill>
+              </a:rPr>
+              <a:t>"</a:t>
+            </a:r>
+            <a:r>
+              <a:rPr lang="es-ES" dirty="0" err="1">
+                <a:solidFill>
+                  <a:srgbClr val="067D17"/>
+                </a:solidFill>
+              </a:rPr>
+              <a:t>avion</a:t>
+            </a:r>
+            <a:r>
+              <a:rPr lang="es-ES" dirty="0">
+                <a:solidFill>
+                  <a:srgbClr val="067D17"/>
+                </a:solidFill>
+              </a:rPr>
+              <a:t>"</a:t>
+            </a:r>
+            <a:r>
+              <a:rPr lang="es-ES" dirty="0"/>
+              <a:t>, </a:t>
+            </a:r>
+            <a:r>
+              <a:rPr lang="es-ES" dirty="0">
+                <a:solidFill>
+                  <a:srgbClr val="067D17"/>
+                </a:solidFill>
+              </a:rPr>
+              <a:t>"tren"</a:t>
+            </a:r>
+            <a:r>
+              <a:rPr lang="es-ES" dirty="0"/>
+              <a:t>, </a:t>
+            </a:r>
+            <a:r>
+              <a:rPr lang="es-ES" dirty="0">
+                <a:solidFill>
+                  <a:srgbClr val="067D17"/>
+                </a:solidFill>
+              </a:rPr>
+              <a:t>"barco"</a:t>
+            </a:r>
+            <a:r>
+              <a:rPr lang="es-ES" dirty="0"/>
+              <a:t>, </a:t>
+            </a:r>
+            <a:r>
+              <a:rPr lang="es-ES" dirty="0">
+                <a:solidFill>
+                  <a:srgbClr val="067D17"/>
+                </a:solidFill>
+              </a:rPr>
+              <a:t>"coche"</a:t>
+            </a:r>
+            <a:r>
+              <a:rPr lang="es-ES" dirty="0"/>
+              <a:t>, </a:t>
+            </a:r>
+            <a:r>
+              <a:rPr lang="es-ES" dirty="0">
+                <a:solidFill>
+                  <a:srgbClr val="067D17"/>
+                </a:solidFill>
+              </a:rPr>
+              <a:t>"moto"</a:t>
+            </a:r>
+            <a:r>
+              <a:rPr lang="es-ES" dirty="0"/>
+              <a:t>, </a:t>
+            </a:r>
+            <a:r>
+              <a:rPr lang="es-ES" dirty="0">
+                <a:solidFill>
+                  <a:srgbClr val="067D17"/>
+                </a:solidFill>
+              </a:rPr>
+              <a:t>"bici"</a:t>
+            </a:r>
+            <a:r>
+              <a:rPr lang="es-ES" dirty="0"/>
+              <a:t>), </a:t>
+            </a:r>
+            <a:r>
+              <a:rPr lang="es-ES" dirty="0">
+                <a:solidFill>
+                  <a:srgbClr val="1750EB"/>
+                </a:solidFill>
+              </a:rPr>
+              <a:t>2</a:t>
+            </a:r>
+            <a:r>
+              <a:rPr lang="es-ES" dirty="0"/>
+              <a:t>)</a:t>
+            </a:r>
+            <a:br>
+              <a:rPr lang="es-ES" dirty="0"/>
+            </a:br>
+            <a:r>
+              <a:rPr lang="es-ES" dirty="0">
+                <a:solidFill>
+                  <a:srgbClr val="0033B3"/>
+                </a:solidFill>
+              </a:rPr>
+              <a:t>val </a:t>
+            </a:r>
+            <a:r>
+              <a:rPr lang="es-ES" dirty="0" err="1"/>
+              <a:t>rdd_with_key</a:t>
+            </a:r>
+            <a:r>
+              <a:rPr lang="es-ES" dirty="0"/>
+              <a:t> = </a:t>
+            </a:r>
+            <a:r>
+              <a:rPr lang="es-ES" dirty="0" err="1"/>
+              <a:t>words.keyBy</a:t>
+            </a:r>
+            <a:r>
+              <a:rPr lang="es-ES" dirty="0"/>
+              <a:t>(_.</a:t>
+            </a:r>
+            <a:r>
+              <a:rPr lang="es-ES" dirty="0" err="1"/>
+              <a:t>length</a:t>
+            </a:r>
+            <a:r>
+              <a:rPr lang="es-ES" dirty="0"/>
+              <a:t>) </a:t>
+            </a:r>
+            <a:r>
+              <a:rPr lang="es-ES" i="1" dirty="0">
+                <a:solidFill>
+                  <a:srgbClr val="8C8C8C"/>
+                </a:solidFill>
+              </a:rPr>
+              <a:t>// se usa la longitud de la palabra como clave</a:t>
+            </a:r>
+            <a:br>
+              <a:rPr lang="es-ES" i="1" dirty="0">
+                <a:solidFill>
+                  <a:srgbClr val="8C8C8C"/>
+                </a:solidFill>
+              </a:rPr>
+            </a:br>
+            <a:r>
+              <a:rPr lang="es-ES" dirty="0" err="1"/>
+              <a:t>rdd_with_key.groupByKey.collect</a:t>
+            </a:r>
+            <a:r>
+              <a:rPr lang="es-ES" dirty="0"/>
+              <a:t>()</a:t>
+            </a:r>
+          </a:p>
+        </p:txBody>
+      </p:sp>
+    </p:spTree>
+    <p:extLst>
+      <p:ext uri="{BB962C8B-B14F-4D97-AF65-F5344CB8AC3E}">
+        <p14:creationId xmlns:p14="http://schemas.microsoft.com/office/powerpoint/2010/main" val="1480917054"/>
+      </p:ext>
+    </p:extLst>
+  </p:cSld>
+  <p:clrMapOvr>
+    <a:masterClrMapping/>
+  </p:clrMapOvr>
+  <p:transition spd="med"/>
+</p:sld>
+</file>
+
+<file path=ppt/slides/slide22.xml><?xml version="1.0" encoding="utf-8"?>
+<p:sld xmlns:a="http://schemas.openxmlformats.org/drawingml/2006/main" xmlns:r="http://schemas.openxmlformats.org/officeDocument/2006/relationships" xmlns:p="http://schemas.openxmlformats.org/presentationml/2006/main">
+  <p:cSld>
+    <p:spTree>
+      <p:nvGrpSpPr>
+        <p:cNvPr id="1" name=""/>
+        <p:cNvGrpSpPr/>
+        <p:nvPr/>
+      </p:nvGrpSpPr>
+      <p:grpSpPr>
+        <a:xfrm>
+          <a:off x="0" y="0"/>
+          <a:ext cx="0" cy="0"/>
+          <a:chOff x="0" y="0"/>
+          <a:chExt cx="0" cy="0"/>
+        </a:xfrm>
+      </p:grpSpPr>
+      <p:sp>
+        <p:nvSpPr>
+          <p:cNvPr id="2" name="Title 1">
+            <a:extLst>
+              <a:ext uri="{FF2B5EF4-FFF2-40B4-BE49-F238E27FC236}">
+                <a16:creationId xmlns:a16="http://schemas.microsoft.com/office/drawing/2014/main" id="{CE307A78-B7D1-477A-ADB5-0A0A57C4DB27}"/>
+              </a:ext>
+            </a:extLst>
+          </p:cNvPr>
+          <p:cNvSpPr>
+            <a:spLocks noGrp="1"/>
+          </p:cNvSpPr>
+          <p:nvPr>
+            <p:ph type="title"/>
+          </p:nvPr>
+        </p:nvSpPr>
+        <p:spPr>
+          <a:xfrm>
+            <a:off x="0" y="0"/>
+            <a:ext cx="16256000" cy="3674225"/>
+          </a:xfrm>
+        </p:spPr>
+        <p:txBody>
+          <a:bodyPr anchor="ctr"/>
+          <a:lstStyle/>
+          <a:p>
+            <a:pPr algn="ctr"/>
+            <a:r>
+              <a:rPr lang="es-ES" sz="13800" dirty="0" err="1"/>
+              <a:t>Exercise</a:t>
+            </a:r>
+            <a:r>
+              <a:rPr lang="es-ES" sz="13800" dirty="0"/>
+              <a:t> 2</a:t>
+            </a:r>
+            <a:br>
+              <a:rPr lang="es-ES" sz="13800" dirty="0"/>
+            </a:br>
+            <a:r>
+              <a:rPr lang="es-ES" sz="5400" dirty="0" err="1">
+                <a:solidFill>
+                  <a:schemeClr val="bg2">
+                    <a:lumMod val="75000"/>
+                  </a:schemeClr>
+                </a:solidFill>
+              </a:rPr>
+              <a:t>Spark</a:t>
+            </a:r>
+            <a:r>
+              <a:rPr lang="es-ES" sz="5400" dirty="0">
+                <a:solidFill>
+                  <a:schemeClr val="bg2">
+                    <a:lumMod val="75000"/>
+                  </a:schemeClr>
+                </a:solidFill>
+              </a:rPr>
+              <a:t> API: Transformaciones K/V </a:t>
+            </a:r>
+            <a:r>
+              <a:rPr lang="es-ES" sz="5400" dirty="0" err="1">
+                <a:solidFill>
+                  <a:schemeClr val="bg2">
+                    <a:lumMod val="75000"/>
+                  </a:schemeClr>
+                </a:solidFill>
+              </a:rPr>
+              <a:t>Pairs</a:t>
+            </a:r>
+            <a:endParaRPr lang="es-ES" dirty="0">
+              <a:solidFill>
+                <a:schemeClr val="bg2">
+                  <a:lumMod val="75000"/>
+                </a:schemeClr>
+              </a:solidFill>
+            </a:endParaRPr>
+          </a:p>
+        </p:txBody>
+      </p:sp>
+      <p:sp>
+        <p:nvSpPr>
+          <p:cNvPr id="3" name="Title 1">
+            <a:extLst>
+              <a:ext uri="{FF2B5EF4-FFF2-40B4-BE49-F238E27FC236}">
+                <a16:creationId xmlns:a16="http://schemas.microsoft.com/office/drawing/2014/main" id="{9DA7A1A6-EA41-A84A-AB0D-29D50081B664}"/>
+              </a:ext>
+            </a:extLst>
+          </p:cNvPr>
+          <p:cNvSpPr txBox="1">
+            <a:spLocks/>
+          </p:cNvSpPr>
+          <p:nvPr/>
+        </p:nvSpPr>
+        <p:spPr>
+          <a:xfrm>
+            <a:off x="1396535" y="3674225"/>
+            <a:ext cx="14065137" cy="4156364"/>
+          </a:xfrm>
+          <a:prstGeom prst="rect">
+            <a:avLst/>
+          </a:prstGeom>
+          <a:ln w="12700">
+            <a:miter lim="400000"/>
+          </a:ln>
+          <a:extLst>
+            <a:ext uri="{C572A759-6A51-4108-AA02-DFA0A04FC94B}">
+              <ma14:wrappingTextBoxFlag xmlns="" xmlns:ma14="http://schemas.microsoft.com/office/mac/drawingml/2011/main" val="1"/>
+            </a:ext>
+          </a:extLst>
+        </p:spPr>
+        <p:txBody>
+          <a:bodyPr lIns="50800" tIns="50800" rIns="50800" bIns="50800" numCol="2" anchor="ctr"/>
+          <a:lstStyle>
+            <a:lvl1pPr marL="0" marR="0" indent="0" algn="l" defTabSz="546100" latinLnBrk="0">
+              <a:lnSpc>
+                <a:spcPct val="100000"/>
+              </a:lnSpc>
+              <a:spcBef>
+                <a:spcPts val="0"/>
+              </a:spcBef>
+              <a:spcAft>
+                <a:spcPts val="0"/>
+              </a:spcAft>
+              <a:buClrTx/>
+              <a:buSzTx/>
+              <a:buFontTx/>
+              <a:buNone/>
+              <a:tabLst/>
+              <a:defRPr sz="6400" b="0" i="0" u="none" strike="noStrike" cap="none" spc="0" baseline="0">
+                <a:ln>
+                  <a:noFill/>
+                </a:ln>
+                <a:solidFill>
+                  <a:srgbClr val="4A4A4A"/>
+                </a:solidFill>
+                <a:uFillTx/>
+                <a:latin typeface="+mj-lt"/>
+                <a:ea typeface="+mj-ea"/>
+                <a:cs typeface="+mj-cs"/>
+                <a:sym typeface="Helvetica Neue Medium"/>
+              </a:defRPr>
+            </a:lvl1pPr>
+            <a:lvl2pPr marL="0" marR="0" indent="228600" algn="l" defTabSz="546100" latinLnBrk="0">
+              <a:lnSpc>
+                <a:spcPct val="100000"/>
+              </a:lnSpc>
+              <a:spcBef>
+                <a:spcPts val="0"/>
+              </a:spcBef>
+              <a:spcAft>
+                <a:spcPts val="0"/>
+              </a:spcAft>
+              <a:buClrTx/>
+              <a:buSzTx/>
+              <a:buFontTx/>
+              <a:buNone/>
+              <a:tabLst/>
+              <a:defRPr sz="6400" b="0" i="0" u="none" strike="noStrike" cap="none" spc="0" baseline="0">
+                <a:ln>
+                  <a:noFill/>
+                </a:ln>
+                <a:solidFill>
+                  <a:srgbClr val="4A4A4A"/>
+                </a:solidFill>
+                <a:uFillTx/>
+                <a:latin typeface="Helvetica Neue"/>
+                <a:ea typeface="Helvetica Neue"/>
+                <a:cs typeface="Helvetica Neue"/>
+                <a:sym typeface="Helvetica Neue"/>
+              </a:defRPr>
+            </a:lvl2pPr>
+            <a:lvl3pPr marL="0" marR="0" indent="457200" algn="l" defTabSz="546100" latinLnBrk="0">
+              <a:lnSpc>
+                <a:spcPct val="100000"/>
+              </a:lnSpc>
+              <a:spcBef>
+                <a:spcPts val="0"/>
+              </a:spcBef>
+              <a:spcAft>
+                <a:spcPts val="0"/>
+              </a:spcAft>
+              <a:buClrTx/>
+              <a:buSzTx/>
+              <a:buFontTx/>
+              <a:buNone/>
+              <a:tabLst/>
+              <a:defRPr sz="6400" b="0" i="0" u="none" strike="noStrike" cap="none" spc="0" baseline="0">
+                <a:ln>
+                  <a:noFill/>
+                </a:ln>
+                <a:solidFill>
+                  <a:srgbClr val="4A4A4A"/>
+                </a:solidFill>
+                <a:uFillTx/>
+                <a:latin typeface="Helvetica Neue"/>
+                <a:ea typeface="Helvetica Neue"/>
+                <a:cs typeface="Helvetica Neue"/>
+                <a:sym typeface="Helvetica Neue"/>
+              </a:defRPr>
+            </a:lvl3pPr>
+            <a:lvl4pPr marL="0" marR="0" indent="685800" algn="l" defTabSz="546100" latinLnBrk="0">
+              <a:lnSpc>
+                <a:spcPct val="100000"/>
+              </a:lnSpc>
+              <a:spcBef>
+                <a:spcPts val="0"/>
+              </a:spcBef>
+              <a:spcAft>
+                <a:spcPts val="0"/>
+              </a:spcAft>
+              <a:buClrTx/>
+              <a:buSzTx/>
+              <a:buFontTx/>
+              <a:buNone/>
+              <a:tabLst/>
+              <a:defRPr sz="6400" b="0" i="0" u="none" strike="noStrike" cap="none" spc="0" baseline="0">
+                <a:ln>
+                  <a:noFill/>
+                </a:ln>
+                <a:solidFill>
+                  <a:srgbClr val="4A4A4A"/>
+                </a:solidFill>
+                <a:uFillTx/>
+                <a:latin typeface="Helvetica Neue"/>
+                <a:ea typeface="Helvetica Neue"/>
+                <a:cs typeface="Helvetica Neue"/>
+                <a:sym typeface="Helvetica Neue"/>
+              </a:defRPr>
+            </a:lvl4pPr>
+            <a:lvl5pPr marL="0" marR="0" indent="914400" algn="l" defTabSz="546100" latinLnBrk="0">
+              <a:lnSpc>
+                <a:spcPct val="100000"/>
+              </a:lnSpc>
+              <a:spcBef>
+                <a:spcPts val="0"/>
+              </a:spcBef>
+              <a:spcAft>
+                <a:spcPts val="0"/>
+              </a:spcAft>
+              <a:buClrTx/>
+              <a:buSzTx/>
+              <a:buFontTx/>
+              <a:buNone/>
+              <a:tabLst/>
+              <a:defRPr sz="6400" b="0" i="0" u="none" strike="noStrike" cap="none" spc="0" baseline="0">
+                <a:ln>
+                  <a:noFill/>
+                </a:ln>
+                <a:solidFill>
+                  <a:srgbClr val="4A4A4A"/>
+                </a:solidFill>
+                <a:uFillTx/>
+                <a:latin typeface="Helvetica Neue"/>
+                <a:ea typeface="Helvetica Neue"/>
+                <a:cs typeface="Helvetica Neue"/>
+                <a:sym typeface="Helvetica Neue"/>
+              </a:defRPr>
+            </a:lvl5pPr>
+            <a:lvl6pPr marL="0" marR="0" indent="1143000" algn="l" defTabSz="546100" latinLnBrk="0">
+              <a:lnSpc>
+                <a:spcPct val="100000"/>
+              </a:lnSpc>
+              <a:spcBef>
+                <a:spcPts val="0"/>
+              </a:spcBef>
+              <a:spcAft>
+                <a:spcPts val="0"/>
+              </a:spcAft>
+              <a:buClrTx/>
+              <a:buSzTx/>
+              <a:buFontTx/>
+              <a:buNone/>
+              <a:tabLst/>
+              <a:defRPr sz="6400" b="0" i="0" u="none" strike="noStrike" cap="none" spc="0" baseline="0">
+                <a:ln>
+                  <a:noFill/>
+                </a:ln>
+                <a:solidFill>
+                  <a:srgbClr val="4A4A4A"/>
+                </a:solidFill>
+                <a:uFillTx/>
+                <a:latin typeface="Helvetica Neue"/>
+                <a:ea typeface="Helvetica Neue"/>
+                <a:cs typeface="Helvetica Neue"/>
+                <a:sym typeface="Helvetica Neue"/>
+              </a:defRPr>
+            </a:lvl6pPr>
+            <a:lvl7pPr marL="0" marR="0" indent="1371600" algn="l" defTabSz="546100" latinLnBrk="0">
+              <a:lnSpc>
+                <a:spcPct val="100000"/>
+              </a:lnSpc>
+              <a:spcBef>
+                <a:spcPts val="0"/>
+              </a:spcBef>
+              <a:spcAft>
+                <a:spcPts val="0"/>
+              </a:spcAft>
+              <a:buClrTx/>
+              <a:buSzTx/>
+              <a:buFontTx/>
+              <a:buNone/>
+              <a:tabLst/>
+              <a:defRPr sz="6400" b="0" i="0" u="none" strike="noStrike" cap="none" spc="0" baseline="0">
+                <a:ln>
+                  <a:noFill/>
+                </a:ln>
+                <a:solidFill>
+                  <a:srgbClr val="4A4A4A"/>
+                </a:solidFill>
+                <a:uFillTx/>
+                <a:latin typeface="Helvetica Neue"/>
+                <a:ea typeface="Helvetica Neue"/>
+                <a:cs typeface="Helvetica Neue"/>
+                <a:sym typeface="Helvetica Neue"/>
+              </a:defRPr>
+            </a:lvl7pPr>
+            <a:lvl8pPr marL="0" marR="0" indent="1600200" algn="l" defTabSz="546100" latinLnBrk="0">
+              <a:lnSpc>
+                <a:spcPct val="100000"/>
+              </a:lnSpc>
+              <a:spcBef>
+                <a:spcPts val="0"/>
+              </a:spcBef>
+              <a:spcAft>
+                <a:spcPts val="0"/>
+              </a:spcAft>
+              <a:buClrTx/>
+              <a:buSzTx/>
+              <a:buFontTx/>
+              <a:buNone/>
+              <a:tabLst/>
+              <a:defRPr sz="6400" b="0" i="0" u="none" strike="noStrike" cap="none" spc="0" baseline="0">
+                <a:ln>
+                  <a:noFill/>
+                </a:ln>
+                <a:solidFill>
+                  <a:srgbClr val="4A4A4A"/>
+                </a:solidFill>
+                <a:uFillTx/>
+                <a:latin typeface="Helvetica Neue"/>
+                <a:ea typeface="Helvetica Neue"/>
+                <a:cs typeface="Helvetica Neue"/>
+                <a:sym typeface="Helvetica Neue"/>
+              </a:defRPr>
+            </a:lvl8pPr>
+            <a:lvl9pPr marL="0" marR="0" indent="1828800" algn="l" defTabSz="546100" latinLnBrk="0">
+              <a:lnSpc>
+                <a:spcPct val="100000"/>
+              </a:lnSpc>
+              <a:spcBef>
+                <a:spcPts val="0"/>
+              </a:spcBef>
+              <a:spcAft>
+                <a:spcPts val="0"/>
+              </a:spcAft>
+              <a:buClrTx/>
+              <a:buSzTx/>
+              <a:buFontTx/>
+              <a:buNone/>
+              <a:tabLst/>
+              <a:defRPr sz="6400" b="0" i="0" u="none" strike="noStrike" cap="none" spc="0" baseline="0">
+                <a:ln>
+                  <a:noFill/>
+                </a:ln>
+                <a:solidFill>
+                  <a:srgbClr val="4A4A4A"/>
+                </a:solidFill>
+                <a:uFillTx/>
+                <a:latin typeface="Helvetica Neue"/>
+                <a:ea typeface="Helvetica Neue"/>
+                <a:cs typeface="Helvetica Neue"/>
+                <a:sym typeface="Helvetica Neue"/>
+              </a:defRPr>
+            </a:lvl9pPr>
+          </a:lstStyle>
+          <a:p>
+            <a:pPr marL="857250" indent="-857250" hangingPunct="1">
+              <a:buFont typeface="Wingdings" pitchFamily="2" charset="2"/>
+              <a:buChar char="Ø"/>
+            </a:pPr>
+            <a:r>
+              <a:rPr lang="es-ES" sz="3200" dirty="0" err="1">
+                <a:solidFill>
+                  <a:schemeClr val="bg2">
+                    <a:lumMod val="75000"/>
+                  </a:schemeClr>
+                </a:solidFill>
+              </a:rPr>
+              <a:t>groupByKey</a:t>
+            </a:r>
+            <a:endParaRPr lang="es-ES" sz="3200" dirty="0">
+              <a:solidFill>
+                <a:schemeClr val="bg2">
+                  <a:lumMod val="75000"/>
+                </a:schemeClr>
+              </a:solidFill>
+            </a:endParaRPr>
+          </a:p>
+          <a:p>
+            <a:pPr marL="857250" indent="-857250" hangingPunct="1">
+              <a:buFont typeface="Wingdings" pitchFamily="2" charset="2"/>
+              <a:buChar char="Ø"/>
+            </a:pPr>
+            <a:r>
+              <a:rPr lang="es-ES" sz="3200" dirty="0" err="1">
+                <a:solidFill>
+                  <a:schemeClr val="bg2">
+                    <a:lumMod val="75000"/>
+                  </a:schemeClr>
+                </a:solidFill>
+              </a:rPr>
+              <a:t>reduceByKey</a:t>
+            </a:r>
+            <a:endParaRPr lang="es-ES" sz="3200" dirty="0">
+              <a:solidFill>
+                <a:schemeClr val="bg2">
+                  <a:lumMod val="75000"/>
+                </a:schemeClr>
+              </a:solidFill>
+            </a:endParaRPr>
+          </a:p>
+          <a:p>
+            <a:pPr marL="857250" indent="-857250" hangingPunct="1">
+              <a:buFont typeface="Wingdings" pitchFamily="2" charset="2"/>
+              <a:buChar char="Ø"/>
+            </a:pPr>
+            <a:r>
+              <a:rPr lang="es-ES" sz="3200" dirty="0" err="1">
+                <a:solidFill>
+                  <a:schemeClr val="bg2">
+                    <a:lumMod val="75000"/>
+                  </a:schemeClr>
+                </a:solidFill>
+              </a:rPr>
+              <a:t>aggregateByKey</a:t>
+            </a:r>
+            <a:endParaRPr lang="es-ES" sz="3200" dirty="0">
+              <a:solidFill>
+                <a:schemeClr val="bg2">
+                  <a:lumMod val="75000"/>
+                </a:schemeClr>
+              </a:solidFill>
+            </a:endParaRPr>
+          </a:p>
+          <a:p>
+            <a:pPr marL="857250" indent="-857250" hangingPunct="1">
+              <a:buFont typeface="Wingdings" pitchFamily="2" charset="2"/>
+              <a:buChar char="Ø"/>
+            </a:pPr>
+            <a:r>
+              <a:rPr lang="es-ES" sz="3200" dirty="0" err="1">
+                <a:solidFill>
+                  <a:schemeClr val="bg2">
+                    <a:lumMod val="75000"/>
+                  </a:schemeClr>
+                </a:solidFill>
+              </a:rPr>
+              <a:t>sortByKey</a:t>
+            </a:r>
+            <a:endParaRPr lang="es-ES" sz="3200" dirty="0">
+              <a:solidFill>
+                <a:schemeClr val="bg2">
+                  <a:lumMod val="75000"/>
+                </a:schemeClr>
+              </a:solidFill>
+            </a:endParaRPr>
+          </a:p>
+          <a:p>
+            <a:pPr marL="857250" indent="-857250" hangingPunct="1">
+              <a:buFont typeface="Wingdings" pitchFamily="2" charset="2"/>
+              <a:buChar char="Ø"/>
+            </a:pPr>
+            <a:r>
+              <a:rPr lang="es-ES" sz="3200" dirty="0" err="1">
+                <a:solidFill>
+                  <a:schemeClr val="bg2">
+                    <a:lumMod val="75000"/>
+                  </a:schemeClr>
+                </a:solidFill>
+              </a:rPr>
+              <a:t>join</a:t>
+            </a:r>
+            <a:endParaRPr lang="es-ES" sz="3200" dirty="0">
+              <a:solidFill>
+                <a:schemeClr val="bg2">
+                  <a:lumMod val="75000"/>
+                </a:schemeClr>
+              </a:solidFill>
+            </a:endParaRPr>
+          </a:p>
+          <a:p>
+            <a:pPr marL="857250" indent="-857250" hangingPunct="1">
+              <a:buFont typeface="Wingdings" pitchFamily="2" charset="2"/>
+              <a:buChar char="Ø"/>
+            </a:pPr>
+            <a:endParaRPr lang="es-ES" sz="3200" dirty="0">
+              <a:solidFill>
+                <a:schemeClr val="bg2">
+                  <a:lumMod val="75000"/>
+                </a:schemeClr>
+              </a:solidFill>
+            </a:endParaRPr>
+          </a:p>
+        </p:txBody>
+      </p:sp>
+    </p:spTree>
+    <p:extLst>
+      <p:ext uri="{BB962C8B-B14F-4D97-AF65-F5344CB8AC3E}">
+        <p14:creationId xmlns:p14="http://schemas.microsoft.com/office/powerpoint/2010/main" val="4063367363"/>
+      </p:ext>
+    </p:extLst>
+  </p:cSld>
+  <p:clrMapOvr>
+    <a:masterClrMapping/>
+  </p:clrMapOvr>
+  <p:transition spd="med"/>
+</p:sld>
+</file>
+
+<file path=ppt/slides/slide23.xml><?xml version="1.0" encoding="utf-8"?>
+<p:sld xmlns:a="http://schemas.openxmlformats.org/drawingml/2006/main" xmlns:r="http://schemas.openxmlformats.org/officeDocument/2006/relationships" xmlns:p="http://schemas.openxmlformats.org/presentationml/2006/main">
+  <p:cSld>
+    <p:spTree>
+      <p:nvGrpSpPr>
+        <p:cNvPr id="1" name=""/>
+        <p:cNvGrpSpPr/>
+        <p:nvPr/>
+      </p:nvGrpSpPr>
+      <p:grpSpPr>
+        <a:xfrm>
+          <a:off x="0" y="0"/>
+          <a:ext cx="0" cy="0"/>
+          <a:chOff x="0" y="0"/>
+          <a:chExt cx="0" cy="0"/>
+        </a:xfrm>
+      </p:grpSpPr>
+      <p:sp>
+        <p:nvSpPr>
+          <p:cNvPr id="2" name="Title 1">
+            <a:extLst>
+              <a:ext uri="{FF2B5EF4-FFF2-40B4-BE49-F238E27FC236}">
+                <a16:creationId xmlns:a16="http://schemas.microsoft.com/office/drawing/2014/main" id="{CE307A78-B7D1-477A-ADB5-0A0A57C4DB27}"/>
+              </a:ext>
+            </a:extLst>
+          </p:cNvPr>
+          <p:cNvSpPr>
+            <a:spLocks noGrp="1"/>
+          </p:cNvSpPr>
+          <p:nvPr>
+            <p:ph type="title"/>
+          </p:nvPr>
+        </p:nvSpPr>
+        <p:spPr>
+          <a:xfrm>
             <a:off x="0" y="0"/>
             <a:ext cx="16256000" cy="8360229"/>
           </a:xfrm>
@@ -12779,7 +14725,7 @@
             </a:r>
             <a:r>
               <a:rPr lang="es-ES" sz="13800" dirty="0"/>
-              <a:t> 1</a:t>
+              <a:t> 3</a:t>
             </a:r>
             <a:br>
               <a:rPr lang="es-ES" sz="13800" dirty="0"/>
@@ -12802,7 +14748,7 @@
                   </a:schemeClr>
                 </a:solidFill>
               </a:rPr>
-              <a:t> API: Transformaciones Simples</a:t>
+              <a:t> API: Acciones</a:t>
             </a:r>
             <a:endParaRPr lang="es-ES" dirty="0">
               <a:solidFill>
@@ -12817,7 +14763,503 @@
     </p:spTree>
     <p:extLst>
       <p:ext uri="{BB962C8B-B14F-4D97-AF65-F5344CB8AC3E}">
-        <p14:creationId xmlns:p14="http://schemas.microsoft.com/office/powerpoint/2010/main" val="2504273011"/>
+        <p14:creationId xmlns:p14="http://schemas.microsoft.com/office/powerpoint/2010/main" val="1421413956"/>
+      </p:ext>
+    </p:extLst>
+  </p:cSld>
+  <p:clrMapOvr>
+    <a:masterClrMapping/>
+  </p:clrMapOvr>
+  <p:transition spd="med"/>
+</p:sld>
+</file>
+
+<file path=ppt/slides/slide24.xml><?xml version="1.0" encoding="utf-8"?>
+<p:sld xmlns:a="http://schemas.openxmlformats.org/drawingml/2006/main" xmlns:r="http://schemas.openxmlformats.org/officeDocument/2006/relationships" xmlns:p="http://schemas.openxmlformats.org/presentationml/2006/main">
+  <p:cSld>
+    <p:spTree>
+      <p:nvGrpSpPr>
+        <p:cNvPr id="1" name=""/>
+        <p:cNvGrpSpPr/>
+        <p:nvPr/>
+      </p:nvGrpSpPr>
+      <p:grpSpPr>
+        <a:xfrm>
+          <a:off x="0" y="0"/>
+          <a:ext cx="0" cy="0"/>
+          <a:chOff x="0" y="0"/>
+          <a:chExt cx="0" cy="0"/>
+        </a:xfrm>
+      </p:grpSpPr>
+      <p:sp>
+        <p:nvSpPr>
+          <p:cNvPr id="2" name="Title 1">
+            <a:extLst>
+              <a:ext uri="{FF2B5EF4-FFF2-40B4-BE49-F238E27FC236}">
+                <a16:creationId xmlns:a16="http://schemas.microsoft.com/office/drawing/2014/main" id="{CE307A78-B7D1-477A-ADB5-0A0A57C4DB27}"/>
+              </a:ext>
+            </a:extLst>
+          </p:cNvPr>
+          <p:cNvSpPr>
+            <a:spLocks noGrp="1"/>
+          </p:cNvSpPr>
+          <p:nvPr>
+            <p:ph type="title"/>
+          </p:nvPr>
+        </p:nvSpPr>
+        <p:spPr>
+          <a:xfrm>
+            <a:off x="0" y="0"/>
+            <a:ext cx="16256000" cy="8360229"/>
+          </a:xfrm>
+        </p:spPr>
+        <p:txBody>
+          <a:bodyPr anchor="ctr"/>
+          <a:lstStyle/>
+          <a:p>
+            <a:pPr algn="ctr"/>
+            <a:r>
+              <a:rPr lang="es-ES" sz="13800" dirty="0" err="1"/>
+              <a:t>Exercise</a:t>
+            </a:r>
+            <a:r>
+              <a:rPr lang="es-ES" sz="13800" dirty="0"/>
+              <a:t> 4</a:t>
+            </a:r>
+            <a:br>
+              <a:rPr lang="es-ES" sz="13800" dirty="0"/>
+            </a:br>
+            <a:r>
+              <a:rPr lang="es-ES" sz="5400" dirty="0" err="1">
+                <a:solidFill>
+                  <a:schemeClr val="bg2">
+                    <a:lumMod val="75000"/>
+                  </a:schemeClr>
+                </a:solidFill>
+              </a:rPr>
+              <a:t>Spark</a:t>
+            </a:r>
+            <a:r>
+              <a:rPr lang="es-ES" sz="5400" dirty="0">
+                <a:solidFill>
+                  <a:schemeClr val="bg2">
+                    <a:lumMod val="75000"/>
+                  </a:schemeClr>
+                </a:solidFill>
+              </a:rPr>
+              <a:t> API: </a:t>
+            </a:r>
+            <a:r>
+              <a:rPr lang="es-ES" sz="5400" dirty="0" err="1">
+                <a:solidFill>
+                  <a:schemeClr val="bg2">
+                    <a:lumMod val="75000"/>
+                  </a:schemeClr>
+                </a:solidFill>
+              </a:rPr>
+              <a:t>read-operate-write</a:t>
+            </a:r>
+            <a:endParaRPr lang="es-ES" dirty="0">
+              <a:solidFill>
+                <a:schemeClr val="bg2">
+                  <a:lumMod val="75000"/>
+                </a:schemeClr>
+              </a:solidFill>
+            </a:endParaRPr>
+          </a:p>
+        </p:txBody>
+      </p:sp>
+    </p:spTree>
+    <p:extLst>
+      <p:ext uri="{BB962C8B-B14F-4D97-AF65-F5344CB8AC3E}">
+        <p14:creationId xmlns:p14="http://schemas.microsoft.com/office/powerpoint/2010/main" val="189129370"/>
+      </p:ext>
+    </p:extLst>
+  </p:cSld>
+  <p:clrMapOvr>
+    <a:masterClrMapping/>
+  </p:clrMapOvr>
+  <p:transition spd="med"/>
+</p:sld>
+</file>
+
+<file path=ppt/slides/slide25.xml><?xml version="1.0" encoding="utf-8"?>
+<p:sld xmlns:a="http://schemas.openxmlformats.org/drawingml/2006/main" xmlns:r="http://schemas.openxmlformats.org/officeDocument/2006/relationships" xmlns:p="http://schemas.openxmlformats.org/presentationml/2006/main">
+  <p:cSld>
+    <p:spTree>
+      <p:nvGrpSpPr>
+        <p:cNvPr id="1" name=""/>
+        <p:cNvGrpSpPr/>
+        <p:nvPr/>
+      </p:nvGrpSpPr>
+      <p:grpSpPr>
+        <a:xfrm>
+          <a:off x="0" y="0"/>
+          <a:ext cx="0" cy="0"/>
+          <a:chOff x="0" y="0"/>
+          <a:chExt cx="0" cy="0"/>
+        </a:xfrm>
+      </p:grpSpPr>
+      <p:sp>
+        <p:nvSpPr>
+          <p:cNvPr id="2" name="Title 1">
+            <a:extLst>
+              <a:ext uri="{FF2B5EF4-FFF2-40B4-BE49-F238E27FC236}">
+                <a16:creationId xmlns:a16="http://schemas.microsoft.com/office/drawing/2014/main" id="{CE307A78-B7D1-477A-ADB5-0A0A57C4DB27}"/>
+              </a:ext>
+            </a:extLst>
+          </p:cNvPr>
+          <p:cNvSpPr>
+            <a:spLocks noGrp="1"/>
+          </p:cNvSpPr>
+          <p:nvPr>
+            <p:ph type="title"/>
+          </p:nvPr>
+        </p:nvSpPr>
+        <p:spPr>
+          <a:xfrm>
+            <a:off x="0" y="0"/>
+            <a:ext cx="16256000" cy="8360229"/>
+          </a:xfrm>
+        </p:spPr>
+        <p:txBody>
+          <a:bodyPr anchor="ctr"/>
+          <a:lstStyle/>
+          <a:p>
+            <a:pPr algn="ctr"/>
+            <a:r>
+              <a:rPr lang="es-ES" sz="13800" dirty="0" err="1"/>
+              <a:t>Exercise</a:t>
+            </a:r>
+            <a:r>
+              <a:rPr lang="es-ES" sz="13800" dirty="0"/>
+              <a:t> 5</a:t>
+            </a:r>
+            <a:br>
+              <a:rPr lang="es-ES" sz="13800" dirty="0"/>
+            </a:br>
+            <a:r>
+              <a:rPr lang="es-ES" sz="5400" dirty="0">
+                <a:solidFill>
+                  <a:schemeClr val="bg2">
+                    <a:lumMod val="75000"/>
+                  </a:schemeClr>
+                </a:solidFill>
+              </a:rPr>
+              <a:t>Works </a:t>
+            </a:r>
+            <a:r>
+              <a:rPr lang="es-ES" sz="5400" dirty="0" err="1">
+                <a:solidFill>
+                  <a:schemeClr val="bg2">
+                    <a:lumMod val="75000"/>
+                  </a:schemeClr>
+                </a:solidFill>
+              </a:rPr>
+              <a:t>with</a:t>
+            </a:r>
+            <a:r>
+              <a:rPr lang="es-ES" sz="5400" dirty="0">
+                <a:solidFill>
+                  <a:schemeClr val="bg2">
+                    <a:lumMod val="75000"/>
+                  </a:schemeClr>
+                </a:solidFill>
+              </a:rPr>
+              <a:t> </a:t>
+            </a:r>
+            <a:r>
+              <a:rPr lang="es-ES" sz="5400" dirty="0" err="1">
+                <a:solidFill>
+                  <a:schemeClr val="bg2">
+                    <a:lumMod val="75000"/>
+                  </a:schemeClr>
+                </a:solidFill>
+              </a:rPr>
+              <a:t>sample</a:t>
+            </a:r>
+            <a:r>
+              <a:rPr lang="es-ES" sz="5400" dirty="0">
+                <a:solidFill>
+                  <a:schemeClr val="bg2">
+                    <a:lumMod val="75000"/>
+                  </a:schemeClr>
+                </a:solidFill>
+              </a:rPr>
+              <a:t> </a:t>
+            </a:r>
+            <a:r>
+              <a:rPr lang="es-ES" sz="5400" dirty="0" err="1">
+                <a:solidFill>
+                  <a:schemeClr val="bg2">
+                    <a:lumMod val="75000"/>
+                  </a:schemeClr>
+                </a:solidFill>
+              </a:rPr>
+              <a:t>datasets</a:t>
+            </a:r>
+            <a:endParaRPr lang="es-ES" dirty="0">
+              <a:solidFill>
+                <a:schemeClr val="bg2">
+                  <a:lumMod val="75000"/>
+                </a:schemeClr>
+              </a:solidFill>
+            </a:endParaRPr>
+          </a:p>
+        </p:txBody>
+      </p:sp>
+    </p:spTree>
+    <p:extLst>
+      <p:ext uri="{BB962C8B-B14F-4D97-AF65-F5344CB8AC3E}">
+        <p14:creationId xmlns:p14="http://schemas.microsoft.com/office/powerpoint/2010/main" val="4191842839"/>
+      </p:ext>
+    </p:extLst>
+  </p:cSld>
+  <p:clrMapOvr>
+    <a:masterClrMapping/>
+  </p:clrMapOvr>
+  <p:transition spd="med"/>
+</p:sld>
+</file>
+
+<file path=ppt/slides/slide26.xml><?xml version="1.0" encoding="utf-8"?>
+<p:sld xmlns:a="http://schemas.openxmlformats.org/drawingml/2006/main" xmlns:r="http://schemas.openxmlformats.org/officeDocument/2006/relationships" xmlns:p="http://schemas.openxmlformats.org/presentationml/2006/main">
+  <p:cSld>
+    <p:spTree>
+      <p:nvGrpSpPr>
+        <p:cNvPr id="1" name=""/>
+        <p:cNvGrpSpPr/>
+        <p:nvPr/>
+      </p:nvGrpSpPr>
+      <p:grpSpPr>
+        <a:xfrm>
+          <a:off x="0" y="0"/>
+          <a:ext cx="0" cy="0"/>
+          <a:chOff x="0" y="0"/>
+          <a:chExt cx="0" cy="0"/>
+        </a:xfrm>
+      </p:grpSpPr>
+      <p:sp>
+        <p:nvSpPr>
+          <p:cNvPr id="2" name="Title 1">
+            <a:extLst>
+              <a:ext uri="{FF2B5EF4-FFF2-40B4-BE49-F238E27FC236}">
+                <a16:creationId xmlns:a16="http://schemas.microsoft.com/office/drawing/2014/main" id="{CE307A78-B7D1-477A-ADB5-0A0A57C4DB27}"/>
+              </a:ext>
+            </a:extLst>
+          </p:cNvPr>
+          <p:cNvSpPr>
+            <a:spLocks noGrp="1"/>
+          </p:cNvSpPr>
+          <p:nvPr>
+            <p:ph type="title"/>
+          </p:nvPr>
+        </p:nvSpPr>
+        <p:spPr>
+          <a:xfrm>
+            <a:off x="0" y="0"/>
+            <a:ext cx="16256000" cy="8360229"/>
+          </a:xfrm>
+        </p:spPr>
+        <p:txBody>
+          <a:bodyPr anchor="ctr"/>
+          <a:lstStyle/>
+          <a:p>
+            <a:pPr algn="ctr"/>
+            <a:r>
+              <a:rPr lang="es-ES" sz="13800" dirty="0" err="1"/>
+              <a:t>Exercise</a:t>
+            </a:r>
+            <a:r>
+              <a:rPr lang="es-ES" sz="13800" dirty="0"/>
+              <a:t> 6</a:t>
+            </a:r>
+            <a:br>
+              <a:rPr lang="es-ES" sz="13800" dirty="0"/>
+            </a:br>
+            <a:r>
+              <a:rPr lang="es-ES" sz="5400" dirty="0" err="1">
+                <a:solidFill>
+                  <a:schemeClr val="bg2">
+                    <a:lumMod val="75000"/>
+                  </a:schemeClr>
+                </a:solidFill>
+              </a:rPr>
+              <a:t>Spark</a:t>
+            </a:r>
+            <a:r>
+              <a:rPr lang="es-ES" sz="5400" dirty="0">
+                <a:solidFill>
+                  <a:schemeClr val="bg2">
+                    <a:lumMod val="75000"/>
+                  </a:schemeClr>
+                </a:solidFill>
+              </a:rPr>
+              <a:t> UI</a:t>
+            </a:r>
+            <a:endParaRPr lang="es-ES" dirty="0">
+              <a:solidFill>
+                <a:schemeClr val="bg2">
+                  <a:lumMod val="75000"/>
+                </a:schemeClr>
+              </a:solidFill>
+            </a:endParaRPr>
+          </a:p>
+        </p:txBody>
+      </p:sp>
+    </p:spTree>
+    <p:extLst>
+      <p:ext uri="{BB962C8B-B14F-4D97-AF65-F5344CB8AC3E}">
+        <p14:creationId xmlns:p14="http://schemas.microsoft.com/office/powerpoint/2010/main" val="2183701101"/>
+      </p:ext>
+    </p:extLst>
+  </p:cSld>
+  <p:clrMapOvr>
+    <a:masterClrMapping/>
+  </p:clrMapOvr>
+  <p:transition spd="med"/>
+</p:sld>
+</file>
+
+<file path=ppt/slides/slide27.xml><?xml version="1.0" encoding="utf-8"?>
+<p:sld xmlns:a="http://schemas.openxmlformats.org/drawingml/2006/main" xmlns:r="http://schemas.openxmlformats.org/officeDocument/2006/relationships" xmlns:p="http://schemas.openxmlformats.org/presentationml/2006/main">
+  <p:cSld>
+    <p:spTree>
+      <p:nvGrpSpPr>
+        <p:cNvPr id="1" name=""/>
+        <p:cNvGrpSpPr/>
+        <p:nvPr/>
+      </p:nvGrpSpPr>
+      <p:grpSpPr>
+        <a:xfrm>
+          <a:off x="0" y="0"/>
+          <a:ext cx="0" cy="0"/>
+          <a:chOff x="0" y="0"/>
+          <a:chExt cx="0" cy="0"/>
+        </a:xfrm>
+      </p:grpSpPr>
+      <p:sp>
+        <p:nvSpPr>
+          <p:cNvPr id="2" name="Title 1">
+            <a:extLst>
+              <a:ext uri="{FF2B5EF4-FFF2-40B4-BE49-F238E27FC236}">
+                <a16:creationId xmlns:a16="http://schemas.microsoft.com/office/drawing/2014/main" id="{CE307A78-B7D1-477A-ADB5-0A0A57C4DB27}"/>
+              </a:ext>
+            </a:extLst>
+          </p:cNvPr>
+          <p:cNvSpPr>
+            <a:spLocks noGrp="1"/>
+          </p:cNvSpPr>
+          <p:nvPr>
+            <p:ph type="title"/>
+          </p:nvPr>
+        </p:nvSpPr>
+        <p:spPr>
+          <a:xfrm>
+            <a:off x="0" y="0"/>
+            <a:ext cx="16256000" cy="8360229"/>
+          </a:xfrm>
+        </p:spPr>
+        <p:txBody>
+          <a:bodyPr anchor="ctr"/>
+          <a:lstStyle/>
+          <a:p>
+            <a:pPr algn="ctr"/>
+            <a:r>
+              <a:rPr lang="es-ES" sz="13800" dirty="0" err="1"/>
+              <a:t>Exercise</a:t>
+            </a:r>
+            <a:r>
+              <a:rPr lang="es-ES" sz="13800" dirty="0"/>
+              <a:t> 7</a:t>
+            </a:r>
+            <a:br>
+              <a:rPr lang="es-ES" sz="13800" dirty="0"/>
+            </a:br>
+            <a:r>
+              <a:rPr lang="es-ES" sz="5400" dirty="0" err="1">
+                <a:solidFill>
+                  <a:schemeClr val="bg2">
+                    <a:lumMod val="75000"/>
+                  </a:schemeClr>
+                </a:solidFill>
+              </a:rPr>
+              <a:t>Spark</a:t>
+            </a:r>
+            <a:r>
+              <a:rPr lang="es-ES" sz="5400" dirty="0">
+                <a:solidFill>
+                  <a:schemeClr val="bg2">
+                    <a:lumMod val="75000"/>
+                  </a:schemeClr>
+                </a:solidFill>
+              </a:rPr>
+              <a:t> </a:t>
+            </a:r>
+            <a:r>
+              <a:rPr lang="es-ES" sz="5400" dirty="0" err="1">
+                <a:solidFill>
+                  <a:schemeClr val="bg2">
+                    <a:lumMod val="75000"/>
+                  </a:schemeClr>
+                </a:solidFill>
+              </a:rPr>
+              <a:t>with</a:t>
+            </a:r>
+            <a:r>
+              <a:rPr lang="es-ES" sz="5400" dirty="0">
+                <a:solidFill>
+                  <a:schemeClr val="bg2">
+                    <a:lumMod val="75000"/>
+                  </a:schemeClr>
+                </a:solidFill>
+              </a:rPr>
+              <a:t> </a:t>
+            </a:r>
+            <a:r>
+              <a:rPr lang="es-ES" sz="5400" dirty="0" err="1">
+                <a:solidFill>
+                  <a:schemeClr val="bg2">
+                    <a:lumMod val="75000"/>
+                  </a:schemeClr>
+                </a:solidFill>
+              </a:rPr>
+              <a:t>GoogleCloud</a:t>
+            </a:r>
+            <a:r>
+              <a:rPr lang="es-ES" sz="5400" dirty="0">
+                <a:solidFill>
+                  <a:schemeClr val="bg2">
+                    <a:lumMod val="75000"/>
+                  </a:schemeClr>
+                </a:solidFill>
+              </a:rPr>
+              <a:t>: </a:t>
+            </a:r>
+            <a:r>
+              <a:rPr lang="es-ES" sz="5400" dirty="0" err="1">
+                <a:solidFill>
+                  <a:schemeClr val="bg2">
+                    <a:lumMod val="75000"/>
+                  </a:schemeClr>
+                </a:solidFill>
+              </a:rPr>
+              <a:t>Dataproc</a:t>
+            </a:r>
+            <a:endParaRPr lang="es-ES" dirty="0">
+              <a:solidFill>
+                <a:schemeClr val="bg2">
+                  <a:lumMod val="75000"/>
+                </a:schemeClr>
+              </a:solidFill>
+            </a:endParaRPr>
+          </a:p>
+        </p:txBody>
+      </p:sp>
+    </p:spTree>
+    <p:extLst>
+      <p:ext uri="{BB962C8B-B14F-4D97-AF65-F5344CB8AC3E}">
+        <p14:creationId xmlns:p14="http://schemas.microsoft.com/office/powerpoint/2010/main" val="4010321440"/>
       </p:ext>
     </p:extLst>
   </p:cSld>
